--- a/webinar.pptx
+++ b/webinar.pptx
@@ -12924,7 +12924,7 @@
           <a:p>
             <a:fld id="{D987070D-87AF-4443-8990-425EA27CC244}" type="datetimeFigureOut">
               <a:rPr lang="de-CH" smtClean="0"/>
-              <a:t>02.03.2016</a:t>
+              <a:t>03.03.2016</a:t>
             </a:fld>
             <a:endParaRPr lang="de-CH"/>
           </a:p>
@@ -13348,6 +13348,10 @@
           <a:bodyPr/>
           <a:lstStyle/>
           <a:p>
+            <a:r>
+              <a:rPr lang="en-US" dirty="0"/>
+              <a:t>So let’s go back to our code example</a:t>
+            </a:r>
             <a:endParaRPr lang="de-CH" dirty="0"/>
           </a:p>
         </p:txBody>
@@ -13601,40 +13605,46 @@
           <a:lstStyle/>
           <a:p>
             <a:r>
-              <a:rPr lang="en-US" dirty="0"/>
-              <a:t>In the next webinar we</a:t>
+              <a:rPr lang="en-US" sz="1200" b="0" i="0" kern="1200" dirty="0">
+                <a:solidFill>
+                  <a:schemeClr val="tx1"/>
+                </a:solidFill>
+                <a:effectLst/>
+                <a:latin typeface="+mn-lt"/>
+                <a:ea typeface="+mn-ea"/>
+                <a:cs typeface="+mn-cs"/>
+              </a:rPr>
+              <a:t>See how the v6 API update helps to avoid common </a:t>
             </a:r>
             <a:r>
-              <a:rPr lang="en-US" baseline="0" dirty="0"/>
-              <a:t> will dive deeper and write a message pump for a service bus which combines </a:t>
+              <a:rPr lang="en-US" sz="1200" b="0" i="0" kern="1200" dirty="0" err="1">
+                <a:solidFill>
+                  <a:schemeClr val="tx1"/>
+                </a:solidFill>
+                <a:effectLst/>
+                <a:latin typeface="+mn-lt"/>
+                <a:ea typeface="+mn-ea"/>
+                <a:cs typeface="+mn-cs"/>
+              </a:rPr>
+              <a:t>Async</a:t>
             </a:r>
             <a:r>
-              <a:rPr lang="en-US" baseline="0" dirty="0" err="1"/>
-              <a:t>async</a:t>
-            </a:r>
-            <a:r>
-              <a:rPr lang="en-US" baseline="0" dirty="0"/>
-              <a:t>/await with TPL</a:t>
+              <a:rPr lang="en-US" sz="1200" b="0" i="0" kern="1200" dirty="0">
+                <a:solidFill>
+                  <a:schemeClr val="tx1"/>
+                </a:solidFill>
+                <a:effectLst/>
+                <a:latin typeface="+mn-lt"/>
+                <a:ea typeface="+mn-ea"/>
+                <a:cs typeface="+mn-cs"/>
+              </a:rPr>
+              <a:t>/Await pitfalls and makes your code ready for asynchronous APIs in the cloud.</a:t>
             </a:r>
           </a:p>
           <a:p>
             <a:r>
               <a:rPr lang="en-US" baseline="0" dirty="0"/>
-              <a:t>We’ll learn where TPL contains unpleasant surprises and how we can work around those</a:t>
-            </a:r>
-          </a:p>
-          <a:p>
-            <a:r>
-              <a:rPr lang="en-US" baseline="0" dirty="0"/>
-              <a:t>Join again, invite your friends and learn to apply more than just the basics of </a:t>
-            </a:r>
-            <a:r>
-              <a:rPr lang="en-US" baseline="0" dirty="0" err="1"/>
-              <a:t>async</a:t>
-            </a:r>
-            <a:r>
-              <a:rPr lang="en-US" baseline="0" dirty="0"/>
-              <a:t>/await</a:t>
+              <a:t>Join again, invite your friends.</a:t>
             </a:r>
             <a:endParaRPr lang="de-CH" dirty="0"/>
           </a:p>
@@ -13810,13 +13820,8 @@
           <a:p>
             <a:r>
               <a:rPr lang="de-CH" dirty="0"/>
-              <a:t>Reduces christmas tree programming to code</a:t>
+              <a:t>Q &amp; A</a:t>
             </a:r>
-            <a:r>
-              <a:rPr lang="de-CH" baseline="0" dirty="0"/>
-              <a:t> which looks much</a:t>
-            </a:r>
-            <a:endParaRPr lang="de-CH" dirty="0"/>
           </a:p>
         </p:txBody>
       </p:sp>
@@ -14306,6 +14311,15 @@
             <a:endParaRPr lang="en-US" baseline="0" dirty="0"/>
           </a:p>
           <a:p>
+            <a:r>
+              <a:rPr lang="en-US" baseline="0" dirty="0"/>
+              <a:t>This webinar will be much more code centric and the complexity level of the practices shown here might be higher than the previous webinar. Don’t worry. At the end of this webinar you’ll get a link to the code samples I’m showing and you’ll be able to walk through the code step-by-step on your own. Of course I’ll be also available to answer your questions even after this webinar series is over. </a:t>
+            </a:r>
+          </a:p>
+          <a:p>
+            <a:endParaRPr lang="en-US" baseline="0" dirty="0"/>
+          </a:p>
+          <a:p>
             <a:endParaRPr lang="de-CH" dirty="0"/>
           </a:p>
         </p:txBody>
@@ -14392,38 +14406,12 @@
           <a:p>
             <a:r>
               <a:rPr lang="en-US" dirty="0"/>
-              <a:t>This webinar is divided</a:t>
+              <a:t>So let’s talk about the</a:t>
             </a:r>
             <a:r>
               <a:rPr lang="en-US" baseline="0" dirty="0"/>
-              <a:t> into three parts</a:t>
+              <a:t> message pump first</a:t>
             </a:r>
-          </a:p>
-          <a:p>
-            <a:endParaRPr lang="en-US" baseline="0" dirty="0"/>
-          </a:p>
-          <a:p>
-            <a:r>
-              <a:rPr lang="en-US" baseline="0" dirty="0"/>
-              <a:t>The pump</a:t>
-            </a:r>
-          </a:p>
-          <a:p>
-            <a:r>
-              <a:rPr lang="en-US" baseline="0" dirty="0"/>
-              <a:t>Code and </a:t>
-            </a:r>
-            <a:r>
-              <a:rPr lang="en-US" baseline="0" dirty="0" err="1"/>
-              <a:t>WrapUp</a:t>
-            </a:r>
-            <a:r>
-              <a:rPr lang="en-US" baseline="0" dirty="0"/>
-              <a:t> including Q&amp;A</a:t>
-            </a:r>
-          </a:p>
-          <a:p>
-            <a:endParaRPr lang="en-US" baseline="0" dirty="0"/>
           </a:p>
           <a:p>
             <a:endParaRPr lang="de-CH" dirty="0"/>
@@ -14510,6 +14498,47 @@
           <a:bodyPr/>
           <a:lstStyle/>
           <a:p>
+            <a:r>
+              <a:rPr lang="en-US" dirty="0"/>
+              <a:t>The message pump is an infrastructure</a:t>
+            </a:r>
+            <a:r>
+              <a:rPr lang="en-US" baseline="0" dirty="0"/>
+              <a:t> piece which concurrently consumes messages from a message queue. When there are message in the queue the message is picked up, inspected and based on the information on the message a corresponding piece of code in your system is invoked. A message pump could be consuming messages from queuing technologies like MSMQ, </a:t>
+            </a:r>
+            <a:r>
+              <a:rPr lang="en-US" baseline="0" dirty="0" err="1"/>
+              <a:t>RabbitMQ</a:t>
+            </a:r>
+            <a:r>
+              <a:rPr lang="en-US" baseline="0" dirty="0"/>
+              <a:t>, Azure Service Bus and many more. In </a:t>
+            </a:r>
+            <a:r>
+              <a:rPr lang="en-US" baseline="0" dirty="0" err="1"/>
+              <a:t>NServiceBus</a:t>
+            </a:r>
+            <a:r>
+              <a:rPr lang="en-US" baseline="0" dirty="0"/>
+              <a:t> the code which is invoked follows a certain convention like it implements an interface called </a:t>
+            </a:r>
+            <a:r>
+              <a:rPr lang="en-US" baseline="0" dirty="0" err="1"/>
+              <a:t>IHandleMessages</a:t>
+            </a:r>
+            <a:r>
+              <a:rPr lang="en-US" baseline="0" dirty="0"/>
+              <a:t>. But since we are looking at a generic message pump we will just assume that the pump will call any arbitrary method.</a:t>
+            </a:r>
+          </a:p>
+          <a:p>
+            <a:endParaRPr lang="en-US" baseline="0" dirty="0"/>
+          </a:p>
+          <a:p>
+            <a:r>
+              <a:rPr lang="en-US" baseline="0" dirty="0"/>
+              <a:t>Message pumps are not only useful for queuing technologies. They are applicable to much more. For example in an actor based system a pump could be responsible to dispatch calls to existing actor instances. Other examples of message pumps can be found in Windows Forms for example. The UI thread is basically pumping window messages to controls which handle those messages.</a:t>
+            </a:r>
             <a:endParaRPr lang="de-CH" dirty="0"/>
           </a:p>
         </p:txBody>
@@ -14595,12 +14624,8 @@
           <a:lstStyle/>
           <a:p>
             <a:r>
-              <a:rPr lang="en-US" dirty="0"/>
-              <a:t>Now we set the baseline</a:t>
-            </a:r>
-            <a:r>
               <a:rPr lang="en-US" baseline="0" dirty="0"/>
-              <a:t> with the terminologies. Let’s dive into code.</a:t>
+              <a:t>Now that we now what a message pump is, we can dive into code and build a simple pump on our own.</a:t>
             </a:r>
             <a:endParaRPr lang="de-CH" dirty="0"/>
           </a:p>
@@ -14686,6 +14711,20 @@
           <a:bodyPr/>
           <a:lstStyle/>
           <a:p>
+            <a:endParaRPr lang="en-US" dirty="0"/>
+          </a:p>
+          <a:p>
+            <a:endParaRPr lang="en-US" dirty="0"/>
+          </a:p>
+          <a:p>
+            <a:r>
+              <a:rPr lang="en-US" dirty="0"/>
+              <a:t>Let me switch</a:t>
+            </a:r>
+            <a:r>
+              <a:rPr lang="en-US" baseline="0" dirty="0"/>
+              <a:t> over to visual studio.</a:t>
+            </a:r>
             <a:endParaRPr lang="de-CH" dirty="0"/>
           </a:p>
         </p:txBody>
@@ -14787,6 +14826,82 @@
               <a:tabLst/>
               <a:defRPr/>
             </a:pPr>
+            <a:r>
+              <a:rPr lang="en-US" dirty="0"/>
+              <a:t>We will be using a counting</a:t>
+            </a:r>
+            <a:r>
+              <a:rPr lang="en-US" baseline="0" dirty="0"/>
+              <a:t> semaphore. I counting semaphore can be compare to a toll booth. Like in the picture on the right side we have eight lanes and toll booths. So the count of the semaphore would be eight. </a:t>
+            </a:r>
+            <a:r>
+              <a:rPr lang="en-US" baseline="0" dirty="0" err="1"/>
+              <a:t>Everytime</a:t>
+            </a:r>
+            <a:r>
+              <a:rPr lang="en-US" baseline="0" dirty="0"/>
+              <a:t> a car passes the semaphore the count is decreased. When the counter reaches zero then no cars can pass the toll booths. Cars will eventually queue up behind other cars until free slots become available again.</a:t>
+            </a:r>
+            <a:endParaRPr lang="en-US" dirty="0"/>
+          </a:p>
+          <a:p>
+            <a:pPr marL="0" marR="0" indent="0" algn="l" defTabSz="914400" rtl="0" eaLnBrk="1" fontAlgn="auto" latinLnBrk="0" hangingPunct="1">
+              <a:lnSpc>
+                <a:spcPct val="100000"/>
+              </a:lnSpc>
+              <a:spcBef>
+                <a:spcPts val="0"/>
+              </a:spcBef>
+              <a:spcAft>
+                <a:spcPts val="0"/>
+              </a:spcAft>
+              <a:buClrTx/>
+              <a:buSzTx/>
+              <a:buFontTx/>
+              <a:buNone/>
+              <a:tabLst/>
+              <a:defRPr/>
+            </a:pPr>
+            <a:endParaRPr lang="en-US" dirty="0"/>
+          </a:p>
+          <a:p>
+            <a:pPr marL="0" marR="0" indent="0" algn="l" defTabSz="914400" rtl="0" eaLnBrk="1" fontAlgn="auto" latinLnBrk="0" hangingPunct="1">
+              <a:lnSpc>
+                <a:spcPct val="100000"/>
+              </a:lnSpc>
+              <a:spcBef>
+                <a:spcPts val="0"/>
+              </a:spcBef>
+              <a:spcAft>
+                <a:spcPts val="0"/>
+              </a:spcAft>
+              <a:buClrTx/>
+              <a:buSzTx/>
+              <a:buFontTx/>
+              <a:buNone/>
+              <a:tabLst/>
+              <a:defRPr/>
+            </a:pPr>
+            <a:r>
+              <a:rPr lang="en-US" dirty="0"/>
+              <a:t>Only </a:t>
+            </a:r>
+            <a:r>
+              <a:rPr lang="en-US" dirty="0" err="1"/>
+              <a:t>SemaphoreSlim</a:t>
+            </a:r>
+            <a:r>
+              <a:rPr lang="en-US" baseline="0" dirty="0"/>
+              <a:t> supports </a:t>
+            </a:r>
+            <a:r>
+              <a:rPr lang="en-US" baseline="0" dirty="0" err="1"/>
+              <a:t>async</a:t>
+            </a:r>
+            <a:r>
+              <a:rPr lang="en-US" baseline="0" dirty="0"/>
+              <a:t> Wait calls</a:t>
+            </a:r>
             <a:endParaRPr lang="en-US" dirty="0"/>
           </a:p>
         </p:txBody>
@@ -14958,7 +15073,7 @@
           <a:p>
             <a:fld id="{A2EAEABE-1D59-4413-813E-803E21872067}" type="datetimeFigureOut">
               <a:rPr lang="de-CH" smtClean="0"/>
-              <a:t>02.03.2016</a:t>
+              <a:t>03.03.2016</a:t>
             </a:fld>
             <a:endParaRPr lang="de-CH"/>
           </a:p>
@@ -15128,7 +15243,7 @@
           <a:p>
             <a:fld id="{A2EAEABE-1D59-4413-813E-803E21872067}" type="datetimeFigureOut">
               <a:rPr lang="de-CH" smtClean="0"/>
-              <a:t>02.03.2016</a:t>
+              <a:t>03.03.2016</a:t>
             </a:fld>
             <a:endParaRPr lang="de-CH"/>
           </a:p>
@@ -15308,7 +15423,7 @@
           <a:p>
             <a:fld id="{A2EAEABE-1D59-4413-813E-803E21872067}" type="datetimeFigureOut">
               <a:rPr lang="de-CH" smtClean="0"/>
-              <a:t>02.03.2016</a:t>
+              <a:t>03.03.2016</a:t>
             </a:fld>
             <a:endParaRPr lang="de-CH"/>
           </a:p>
@@ -15477,7 +15592,7 @@
           <a:p>
             <a:fld id="{A2EAEABE-1D59-4413-813E-803E21872067}" type="datetimeFigureOut">
               <a:rPr lang="de-CH" smtClean="0"/>
-              <a:t>02.03.2016</a:t>
+              <a:t>03.03.2016</a:t>
             </a:fld>
             <a:endParaRPr lang="de-CH"/>
           </a:p>
@@ -15723,7 +15838,7 @@
           <a:p>
             <a:fld id="{A2EAEABE-1D59-4413-813E-803E21872067}" type="datetimeFigureOut">
               <a:rPr lang="de-CH" smtClean="0"/>
-              <a:t>02.03.2016</a:t>
+              <a:t>03.03.2016</a:t>
             </a:fld>
             <a:endParaRPr lang="de-CH"/>
           </a:p>
@@ -15955,7 +16070,7 @@
           <a:p>
             <a:fld id="{A2EAEABE-1D59-4413-813E-803E21872067}" type="datetimeFigureOut">
               <a:rPr lang="de-CH" smtClean="0"/>
-              <a:t>02.03.2016</a:t>
+              <a:t>03.03.2016</a:t>
             </a:fld>
             <a:endParaRPr lang="de-CH"/>
           </a:p>
@@ -16322,7 +16437,7 @@
           <a:p>
             <a:fld id="{A2EAEABE-1D59-4413-813E-803E21872067}" type="datetimeFigureOut">
               <a:rPr lang="de-CH" smtClean="0"/>
-              <a:t>02.03.2016</a:t>
+              <a:t>03.03.2016</a:t>
             </a:fld>
             <a:endParaRPr lang="de-CH"/>
           </a:p>
@@ -16440,7 +16555,7 @@
           <a:p>
             <a:fld id="{A2EAEABE-1D59-4413-813E-803E21872067}" type="datetimeFigureOut">
               <a:rPr lang="de-CH" smtClean="0"/>
-              <a:t>02.03.2016</a:t>
+              <a:t>03.03.2016</a:t>
             </a:fld>
             <a:endParaRPr lang="de-CH"/>
           </a:p>
@@ -16535,7 +16650,7 @@
           <a:p>
             <a:fld id="{A2EAEABE-1D59-4413-813E-803E21872067}" type="datetimeFigureOut">
               <a:rPr lang="de-CH" smtClean="0"/>
-              <a:t>02.03.2016</a:t>
+              <a:t>03.03.2016</a:t>
             </a:fld>
             <a:endParaRPr lang="de-CH"/>
           </a:p>
@@ -16812,7 +16927,7 @@
           <a:p>
             <a:fld id="{A2EAEABE-1D59-4413-813E-803E21872067}" type="datetimeFigureOut">
               <a:rPr lang="de-CH" smtClean="0"/>
-              <a:t>02.03.2016</a:t>
+              <a:t>03.03.2016</a:t>
             </a:fld>
             <a:endParaRPr lang="de-CH"/>
           </a:p>
@@ -17069,7 +17184,7 @@
           <a:p>
             <a:fld id="{A2EAEABE-1D59-4413-813E-803E21872067}" type="datetimeFigureOut">
               <a:rPr lang="de-CH" smtClean="0"/>
-              <a:t>02.03.2016</a:t>
+              <a:t>03.03.2016</a:t>
             </a:fld>
             <a:endParaRPr lang="de-CH"/>
           </a:p>
@@ -17280,7 +17395,7 @@
           <a:p>
             <a:fld id="{A2EAEABE-1D59-4413-813E-803E21872067}" type="datetimeFigureOut">
               <a:rPr lang="de-CH" smtClean="0"/>
-              <a:t>02.03.2016</a:t>
+              <a:t>03.03.2016</a:t>
             </a:fld>
             <a:endParaRPr lang="de-CH"/>
           </a:p>

--- a/webinar.pptx
+++ b/webinar.pptx
@@ -14538,6 +14538,15 @@
             <a:r>
               <a:rPr lang="en-US" baseline="0" dirty="0"/>
               <a:t>Message pumps are not only useful for queuing technologies. They are applicable to much more. For example in an actor based system a pump could be responsible to dispatch calls to existing actor instances. Other examples of message pumps can be found in Windows Forms for example. The UI thread is basically pumping window messages to controls which handle those messages.</a:t>
+            </a:r>
+          </a:p>
+          <a:p>
+            <a:endParaRPr lang="en-US" baseline="0" dirty="0"/>
+          </a:p>
+          <a:p>
+            <a:r>
+              <a:rPr lang="en-US" dirty="0"/>
+              <a:t>It is a pull based model and not a push based model. So in world with reactive queue we would not use a pump</a:t>
             </a:r>
             <a:endParaRPr lang="de-CH" dirty="0"/>
           </a:p>

--- a/webinar.pptx
+++ b/webinar.pptx
@@ -5,26 +5,28 @@
     <p:sldMasterId id="2147483684" r:id="rId1"/>
   </p:sldMasterIdLst>
   <p:notesMasterIdLst>
-    <p:notesMasterId r:id="rId19"/>
+    <p:notesMasterId r:id="rId21"/>
   </p:notesMasterIdLst>
   <p:sldIdLst>
     <p:sldId id="278" r:id="rId2"/>
     <p:sldId id="268" r:id="rId3"/>
-    <p:sldId id="280" r:id="rId4"/>
-    <p:sldId id="281" r:id="rId5"/>
-    <p:sldId id="283" r:id="rId6"/>
-    <p:sldId id="282" r:id="rId7"/>
-    <p:sldId id="284" r:id="rId8"/>
-    <p:sldId id="285" r:id="rId9"/>
-    <p:sldId id="290" r:id="rId10"/>
-    <p:sldId id="291" r:id="rId11"/>
-    <p:sldId id="286" r:id="rId12"/>
-    <p:sldId id="287" r:id="rId13"/>
-    <p:sldId id="288" r:id="rId14"/>
-    <p:sldId id="276" r:id="rId15"/>
-    <p:sldId id="267" r:id="rId16"/>
-    <p:sldId id="275" r:id="rId17"/>
-    <p:sldId id="279" r:id="rId18"/>
+    <p:sldId id="292" r:id="rId4"/>
+    <p:sldId id="293" r:id="rId5"/>
+    <p:sldId id="280" r:id="rId6"/>
+    <p:sldId id="281" r:id="rId7"/>
+    <p:sldId id="283" r:id="rId8"/>
+    <p:sldId id="282" r:id="rId9"/>
+    <p:sldId id="284" r:id="rId10"/>
+    <p:sldId id="285" r:id="rId11"/>
+    <p:sldId id="290" r:id="rId12"/>
+    <p:sldId id="291" r:id="rId13"/>
+    <p:sldId id="286" r:id="rId14"/>
+    <p:sldId id="287" r:id="rId15"/>
+    <p:sldId id="288" r:id="rId16"/>
+    <p:sldId id="276" r:id="rId17"/>
+    <p:sldId id="267" r:id="rId18"/>
+    <p:sldId id="275" r:id="rId19"/>
+    <p:sldId id="279" r:id="rId20"/>
   </p:sldIdLst>
   <p:sldSz cx="12192000" cy="6858000"/>
   <p:notesSz cx="6858000" cy="9144000"/>
@@ -134,6 +136,8 @@
         </p14:section>
         <p14:section name="Demo" id="{EF8429FD-DFA3-40BF-964D-386C8B22055A}">
           <p14:sldIdLst>
+            <p14:sldId id="292"/>
+            <p14:sldId id="293"/>
             <p14:sldId id="280"/>
             <p14:sldId id="281"/>
           </p14:sldIdLst>
@@ -13348,9 +13352,19 @@
           <a:bodyPr/>
           <a:lstStyle/>
           <a:p>
+            <a:endParaRPr lang="en-US" dirty="0"/>
+          </a:p>
+          <a:p>
+            <a:endParaRPr lang="en-US" dirty="0"/>
+          </a:p>
+          <a:p>
             <a:r>
               <a:rPr lang="en-US" dirty="0"/>
-              <a:t>So let’s go back to our code example</a:t>
+              <a:t>Let me switch</a:t>
+            </a:r>
+            <a:r>
+              <a:rPr lang="en-US" baseline="0" dirty="0"/>
+              <a:t> over to visual studio.</a:t>
             </a:r>
             <a:endParaRPr lang="de-CH" dirty="0"/>
           </a:p>
@@ -13382,7 +13396,7 @@
     </p:spTree>
     <p:extLst>
       <p:ext uri="{BB962C8B-B14F-4D97-AF65-F5344CB8AC3E}">
-        <p14:creationId xmlns:p14="http://schemas.microsoft.com/office/powerpoint/2010/main" val="1386120630"/>
+        <p14:creationId xmlns:p14="http://schemas.microsoft.com/office/powerpoint/2010/main" val="3474974861"/>
       </p:ext>
     </p:extLst>
   </p:cSld>
@@ -13436,7 +13450,100 @@
           <a:bodyPr/>
           <a:lstStyle/>
           <a:p>
-            <a:endParaRPr lang="de-CH" dirty="0"/>
+            <a:pPr marL="0" marR="0" indent="0" algn="l" defTabSz="914400" rtl="0" eaLnBrk="1" fontAlgn="auto" latinLnBrk="0" hangingPunct="1">
+              <a:lnSpc>
+                <a:spcPct val="100000"/>
+              </a:lnSpc>
+              <a:spcBef>
+                <a:spcPts val="0"/>
+              </a:spcBef>
+              <a:spcAft>
+                <a:spcPts val="0"/>
+              </a:spcAft>
+              <a:buClrTx/>
+              <a:buSzTx/>
+              <a:buFontTx/>
+              <a:buNone/>
+              <a:tabLst/>
+              <a:defRPr/>
+            </a:pPr>
+            <a:r>
+              <a:rPr lang="en-US" dirty="0"/>
+              <a:t>We will be using a counting</a:t>
+            </a:r>
+            <a:r>
+              <a:rPr lang="en-US" baseline="0" dirty="0"/>
+              <a:t> semaphore. I counting semaphore can be compare to a toll booth. Like in the picture on the right side we have eight lanes and toll booths. So the count of the semaphore would be eight. </a:t>
+            </a:r>
+            <a:r>
+              <a:rPr lang="en-US" baseline="0" dirty="0" err="1"/>
+              <a:t>Everytime</a:t>
+            </a:r>
+            <a:r>
+              <a:rPr lang="en-US" baseline="0" dirty="0"/>
+              <a:t> a car passes the semaphore the count is decreased. When the counter reaches zero then no cars can pass the toll booths. Cars will eventually queue up behind other cars until free slots become available again.</a:t>
+            </a:r>
+            <a:endParaRPr lang="en-US" dirty="0"/>
+          </a:p>
+          <a:p>
+            <a:pPr marL="0" marR="0" indent="0" algn="l" defTabSz="914400" rtl="0" eaLnBrk="1" fontAlgn="auto" latinLnBrk="0" hangingPunct="1">
+              <a:lnSpc>
+                <a:spcPct val="100000"/>
+              </a:lnSpc>
+              <a:spcBef>
+                <a:spcPts val="0"/>
+              </a:spcBef>
+              <a:spcAft>
+                <a:spcPts val="0"/>
+              </a:spcAft>
+              <a:buClrTx/>
+              <a:buSzTx/>
+              <a:buFontTx/>
+              <a:buNone/>
+              <a:tabLst/>
+              <a:defRPr/>
+            </a:pPr>
+            <a:endParaRPr lang="en-US" dirty="0"/>
+          </a:p>
+          <a:p>
+            <a:pPr marL="0" marR="0" indent="0" algn="l" defTabSz="914400" rtl="0" eaLnBrk="1" fontAlgn="auto" latinLnBrk="0" hangingPunct="1">
+              <a:lnSpc>
+                <a:spcPct val="100000"/>
+              </a:lnSpc>
+              <a:spcBef>
+                <a:spcPts val="0"/>
+              </a:spcBef>
+              <a:spcAft>
+                <a:spcPts val="0"/>
+              </a:spcAft>
+              <a:buClrTx/>
+              <a:buSzTx/>
+              <a:buFontTx/>
+              <a:buNone/>
+              <a:tabLst/>
+              <a:defRPr/>
+            </a:pPr>
+            <a:r>
+              <a:rPr lang="en-US" dirty="0"/>
+              <a:t>Only </a:t>
+            </a:r>
+            <a:r>
+              <a:rPr lang="en-US" dirty="0" err="1"/>
+              <a:t>SemaphoreSlim</a:t>
+            </a:r>
+            <a:r>
+              <a:rPr lang="en-US" baseline="0" dirty="0"/>
+              <a:t> supports </a:t>
+            </a:r>
+            <a:r>
+              <a:rPr lang="en-US" baseline="0" dirty="0" err="1"/>
+              <a:t>async</a:t>
+            </a:r>
+            <a:r>
+              <a:rPr lang="en-US" baseline="0" dirty="0"/>
+              <a:t> Wait calls</a:t>
+            </a:r>
+            <a:endParaRPr lang="en-US" dirty="0"/>
           </a:p>
         </p:txBody>
       </p:sp>
@@ -13457,7 +13564,7 @@
           <a:p>
             <a:fld id="{9BCA07FD-5BD5-4529-84B0-48DD2C561176}" type="slidenum">
               <a:rPr lang="de-CH" smtClean="0"/>
-              <a:t>12</a:t>
+              <a:t>11</a:t>
             </a:fld>
             <a:endParaRPr lang="de-CH"/>
           </a:p>
@@ -13466,7 +13573,7 @@
     </p:spTree>
     <p:extLst>
       <p:ext uri="{BB962C8B-B14F-4D97-AF65-F5344CB8AC3E}">
-        <p14:creationId xmlns:p14="http://schemas.microsoft.com/office/powerpoint/2010/main" val="795545236"/>
+        <p14:creationId xmlns:p14="http://schemas.microsoft.com/office/powerpoint/2010/main" val="2572505146"/>
       </p:ext>
     </p:extLst>
   </p:cSld>
@@ -13520,6 +13627,10 @@
           <a:bodyPr/>
           <a:lstStyle/>
           <a:p>
+            <a:r>
+              <a:rPr lang="en-US" dirty="0"/>
+              <a:t>So let’s go back to our code example</a:t>
+            </a:r>
             <a:endParaRPr lang="de-CH" dirty="0"/>
           </a:p>
         </p:txBody>
@@ -13541,7 +13652,7 @@
           <a:p>
             <a:fld id="{9BCA07FD-5BD5-4529-84B0-48DD2C561176}" type="slidenum">
               <a:rPr lang="de-CH" smtClean="0"/>
-              <a:t>13</a:t>
+              <a:t>12</a:t>
             </a:fld>
             <a:endParaRPr lang="de-CH"/>
           </a:p>
@@ -13550,7 +13661,7 @@
     </p:spTree>
     <p:extLst>
       <p:ext uri="{BB962C8B-B14F-4D97-AF65-F5344CB8AC3E}">
-        <p14:creationId xmlns:p14="http://schemas.microsoft.com/office/powerpoint/2010/main" val="993323691"/>
+        <p14:creationId xmlns:p14="http://schemas.microsoft.com/office/powerpoint/2010/main" val="1386120630"/>
       </p:ext>
     </p:extLst>
   </p:cSld>
@@ -13604,48 +13715,6 @@
           <a:bodyPr/>
           <a:lstStyle/>
           <a:p>
-            <a:r>
-              <a:rPr lang="en-US" sz="1200" b="0" i="0" kern="1200" dirty="0">
-                <a:solidFill>
-                  <a:schemeClr val="tx1"/>
-                </a:solidFill>
-                <a:effectLst/>
-                <a:latin typeface="+mn-lt"/>
-                <a:ea typeface="+mn-ea"/>
-                <a:cs typeface="+mn-cs"/>
-              </a:rPr>
-              <a:t>See how the v6 API update helps to avoid common </a:t>
-            </a:r>
-            <a:r>
-              <a:rPr lang="en-US" sz="1200" b="0" i="0" kern="1200" dirty="0" err="1">
-                <a:solidFill>
-                  <a:schemeClr val="tx1"/>
-                </a:solidFill>
-                <a:effectLst/>
-                <a:latin typeface="+mn-lt"/>
-                <a:ea typeface="+mn-ea"/>
-                <a:cs typeface="+mn-cs"/>
-              </a:rPr>
-              <a:t>Async</a:t>
-            </a:r>
-            <a:r>
-              <a:rPr lang="en-US" sz="1200" b="0" i="0" kern="1200" dirty="0">
-                <a:solidFill>
-                  <a:schemeClr val="tx1"/>
-                </a:solidFill>
-                <a:effectLst/>
-                <a:latin typeface="+mn-lt"/>
-                <a:ea typeface="+mn-ea"/>
-                <a:cs typeface="+mn-cs"/>
-              </a:rPr>
-              <a:t>/Await pitfalls and makes your code ready for asynchronous APIs in the cloud.</a:t>
-            </a:r>
-          </a:p>
-          <a:p>
-            <a:r>
-              <a:rPr lang="en-US" baseline="0" dirty="0"/>
-              <a:t>Join again, invite your friends.</a:t>
-            </a:r>
             <a:endParaRPr lang="de-CH" dirty="0"/>
           </a:p>
         </p:txBody>
@@ -13676,7 +13745,7 @@
     </p:spTree>
     <p:extLst>
       <p:ext uri="{BB962C8B-B14F-4D97-AF65-F5344CB8AC3E}">
-        <p14:creationId xmlns:p14="http://schemas.microsoft.com/office/powerpoint/2010/main" val="494066741"/>
+        <p14:creationId xmlns:p14="http://schemas.microsoft.com/office/powerpoint/2010/main" val="795545236"/>
       </p:ext>
     </p:extLst>
   </p:cSld>
@@ -13730,10 +13799,6 @@
           <a:bodyPr/>
           <a:lstStyle/>
           <a:p>
-            <a:r>
-              <a:rPr lang="en-US" dirty="0"/>
-              <a:t>Questions that can be answered in blog posts</a:t>
-            </a:r>
             <a:endParaRPr lang="de-CH" dirty="0"/>
           </a:p>
         </p:txBody>
@@ -13764,7 +13829,7 @@
     </p:spTree>
     <p:extLst>
       <p:ext uri="{BB962C8B-B14F-4D97-AF65-F5344CB8AC3E}">
-        <p14:creationId xmlns:p14="http://schemas.microsoft.com/office/powerpoint/2010/main" val="3670487613"/>
+        <p14:creationId xmlns:p14="http://schemas.microsoft.com/office/powerpoint/2010/main" val="993323691"/>
       </p:ext>
     </p:extLst>
   </p:cSld>
@@ -13819,9 +13884,48 @@
           <a:lstStyle/>
           <a:p>
             <a:r>
-              <a:rPr lang="de-CH" dirty="0"/>
-              <a:t>Q &amp; A</a:t>
+              <a:rPr lang="en-US" sz="1200" b="0" i="0" kern="1200" dirty="0">
+                <a:solidFill>
+                  <a:schemeClr val="tx1"/>
+                </a:solidFill>
+                <a:effectLst/>
+                <a:latin typeface="+mn-lt"/>
+                <a:ea typeface="+mn-ea"/>
+                <a:cs typeface="+mn-cs"/>
+              </a:rPr>
+              <a:t>See how the v6 API update helps to avoid common </a:t>
             </a:r>
+            <a:r>
+              <a:rPr lang="en-US" sz="1200" b="0" i="0" kern="1200" dirty="0" err="1">
+                <a:solidFill>
+                  <a:schemeClr val="tx1"/>
+                </a:solidFill>
+                <a:effectLst/>
+                <a:latin typeface="+mn-lt"/>
+                <a:ea typeface="+mn-ea"/>
+                <a:cs typeface="+mn-cs"/>
+              </a:rPr>
+              <a:t>Async</a:t>
+            </a:r>
+            <a:r>
+              <a:rPr lang="en-US" sz="1200" b="0" i="0" kern="1200" dirty="0">
+                <a:solidFill>
+                  <a:schemeClr val="tx1"/>
+                </a:solidFill>
+                <a:effectLst/>
+                <a:latin typeface="+mn-lt"/>
+                <a:ea typeface="+mn-ea"/>
+                <a:cs typeface="+mn-cs"/>
+              </a:rPr>
+              <a:t>/Await pitfalls and makes your code ready for asynchronous APIs in the cloud.</a:t>
+            </a:r>
+          </a:p>
+          <a:p>
+            <a:r>
+              <a:rPr lang="en-US" baseline="0" dirty="0"/>
+              <a:t>Join again, invite your friends.</a:t>
+            </a:r>
+            <a:endParaRPr lang="de-CH" dirty="0"/>
           </a:p>
         </p:txBody>
       </p:sp>
@@ -13851,7 +13955,7 @@
     </p:spTree>
     <p:extLst>
       <p:ext uri="{BB962C8B-B14F-4D97-AF65-F5344CB8AC3E}">
-        <p14:creationId xmlns:p14="http://schemas.microsoft.com/office/powerpoint/2010/main" val="978782014"/>
+        <p14:creationId xmlns:p14="http://schemas.microsoft.com/office/powerpoint/2010/main" val="494066741"/>
       </p:ext>
     </p:extLst>
   </p:cSld>
@@ -13906,12 +14010,8 @@
           <a:lstStyle/>
           <a:p>
             <a:r>
-              <a:rPr lang="de-CH" dirty="0"/>
-              <a:t>Thank you very much</a:t>
-            </a:r>
-            <a:r>
-              <a:rPr lang="de-CH" baseline="0" dirty="0"/>
-              <a:t> for listening and see you next time</a:t>
+              <a:rPr lang="en-US" dirty="0"/>
+              <a:t>Questions that can be answered in blog posts</a:t>
             </a:r>
             <a:endParaRPr lang="de-CH" dirty="0"/>
           </a:p>
@@ -13935,6 +14035,185 @@
             <a:fld id="{9BCA07FD-5BD5-4529-84B0-48DD2C561176}" type="slidenum">
               <a:rPr lang="de-CH" smtClean="0"/>
               <a:t>17</a:t>
+            </a:fld>
+            <a:endParaRPr lang="de-CH"/>
+          </a:p>
+        </p:txBody>
+      </p:sp>
+    </p:spTree>
+    <p:extLst>
+      <p:ext uri="{BB962C8B-B14F-4D97-AF65-F5344CB8AC3E}">
+        <p14:creationId xmlns:p14="http://schemas.microsoft.com/office/powerpoint/2010/main" val="3670487613"/>
+      </p:ext>
+    </p:extLst>
+  </p:cSld>
+  <p:clrMapOvr>
+    <a:masterClrMapping/>
+  </p:clrMapOvr>
+</p:notes>
+</file>
+
+<file path=ppt/notesSlides/notesSlide17.xml><?xml version="1.0" encoding="utf-8"?>
+<p:notes xmlns:a="http://schemas.openxmlformats.org/drawingml/2006/main" xmlns:r="http://schemas.openxmlformats.org/officeDocument/2006/relationships" xmlns:p="http://schemas.openxmlformats.org/presentationml/2006/main">
+  <p:cSld>
+    <p:spTree>
+      <p:nvGrpSpPr>
+        <p:cNvPr id="1" name=""/>
+        <p:cNvGrpSpPr/>
+        <p:nvPr/>
+      </p:nvGrpSpPr>
+      <p:grpSpPr>
+        <a:xfrm>
+          <a:off x="0" y="0"/>
+          <a:ext cx="0" cy="0"/>
+          <a:chOff x="0" y="0"/>
+          <a:chExt cx="0" cy="0"/>
+        </a:xfrm>
+      </p:grpSpPr>
+      <p:sp>
+        <p:nvSpPr>
+          <p:cNvPr id="2" name="Slide Image Placeholder 1"/>
+          <p:cNvSpPr>
+            <a:spLocks noGrp="1" noRot="1" noChangeAspect="1"/>
+          </p:cNvSpPr>
+          <p:nvPr>
+            <p:ph type="sldImg"/>
+          </p:nvPr>
+        </p:nvSpPr>
+        <p:spPr/>
+      </p:sp>
+      <p:sp>
+        <p:nvSpPr>
+          <p:cNvPr id="3" name="Notes Placeholder 2"/>
+          <p:cNvSpPr>
+            <a:spLocks noGrp="1"/>
+          </p:cNvSpPr>
+          <p:nvPr>
+            <p:ph type="body" idx="1"/>
+          </p:nvPr>
+        </p:nvSpPr>
+        <p:spPr/>
+        <p:txBody>
+          <a:bodyPr/>
+          <a:lstStyle/>
+          <a:p>
+            <a:r>
+              <a:rPr lang="de-CH" dirty="0"/>
+              <a:t>Q &amp; A</a:t>
+            </a:r>
+          </a:p>
+        </p:txBody>
+      </p:sp>
+      <p:sp>
+        <p:nvSpPr>
+          <p:cNvPr id="4" name="Slide Number Placeholder 3"/>
+          <p:cNvSpPr>
+            <a:spLocks noGrp="1"/>
+          </p:cNvSpPr>
+          <p:nvPr>
+            <p:ph type="sldNum" sz="quarter" idx="10"/>
+          </p:nvPr>
+        </p:nvSpPr>
+        <p:spPr/>
+        <p:txBody>
+          <a:bodyPr/>
+          <a:lstStyle/>
+          <a:p>
+            <a:fld id="{9BCA07FD-5BD5-4529-84B0-48DD2C561176}" type="slidenum">
+              <a:rPr lang="de-CH" smtClean="0"/>
+              <a:t>18</a:t>
+            </a:fld>
+            <a:endParaRPr lang="de-CH"/>
+          </a:p>
+        </p:txBody>
+      </p:sp>
+    </p:spTree>
+    <p:extLst>
+      <p:ext uri="{BB962C8B-B14F-4D97-AF65-F5344CB8AC3E}">
+        <p14:creationId xmlns:p14="http://schemas.microsoft.com/office/powerpoint/2010/main" val="978782014"/>
+      </p:ext>
+    </p:extLst>
+  </p:cSld>
+  <p:clrMapOvr>
+    <a:masterClrMapping/>
+  </p:clrMapOvr>
+</p:notes>
+</file>
+
+<file path=ppt/notesSlides/notesSlide18.xml><?xml version="1.0" encoding="utf-8"?>
+<p:notes xmlns:a="http://schemas.openxmlformats.org/drawingml/2006/main" xmlns:r="http://schemas.openxmlformats.org/officeDocument/2006/relationships" xmlns:p="http://schemas.openxmlformats.org/presentationml/2006/main">
+  <p:cSld>
+    <p:spTree>
+      <p:nvGrpSpPr>
+        <p:cNvPr id="1" name=""/>
+        <p:cNvGrpSpPr/>
+        <p:nvPr/>
+      </p:nvGrpSpPr>
+      <p:grpSpPr>
+        <a:xfrm>
+          <a:off x="0" y="0"/>
+          <a:ext cx="0" cy="0"/>
+          <a:chOff x="0" y="0"/>
+          <a:chExt cx="0" cy="0"/>
+        </a:xfrm>
+      </p:grpSpPr>
+      <p:sp>
+        <p:nvSpPr>
+          <p:cNvPr id="2" name="Slide Image Placeholder 1"/>
+          <p:cNvSpPr>
+            <a:spLocks noGrp="1" noRot="1" noChangeAspect="1"/>
+          </p:cNvSpPr>
+          <p:nvPr>
+            <p:ph type="sldImg"/>
+          </p:nvPr>
+        </p:nvSpPr>
+        <p:spPr/>
+      </p:sp>
+      <p:sp>
+        <p:nvSpPr>
+          <p:cNvPr id="3" name="Notes Placeholder 2"/>
+          <p:cNvSpPr>
+            <a:spLocks noGrp="1"/>
+          </p:cNvSpPr>
+          <p:nvPr>
+            <p:ph type="body" idx="1"/>
+          </p:nvPr>
+        </p:nvSpPr>
+        <p:spPr/>
+        <p:txBody>
+          <a:bodyPr/>
+          <a:lstStyle/>
+          <a:p>
+            <a:r>
+              <a:rPr lang="de-CH" dirty="0"/>
+              <a:t>Thank you very much</a:t>
+            </a:r>
+            <a:r>
+              <a:rPr lang="de-CH" baseline="0" dirty="0"/>
+              <a:t> for listening and see you next time</a:t>
+            </a:r>
+            <a:endParaRPr lang="de-CH" dirty="0"/>
+          </a:p>
+        </p:txBody>
+      </p:sp>
+      <p:sp>
+        <p:nvSpPr>
+          <p:cNvPr id="4" name="Slide Number Placeholder 3"/>
+          <p:cNvSpPr>
+            <a:spLocks noGrp="1"/>
+          </p:cNvSpPr>
+          <p:nvPr>
+            <p:ph type="sldNum" sz="quarter" idx="10"/>
+          </p:nvPr>
+        </p:nvSpPr>
+        <p:spPr/>
+        <p:txBody>
+          <a:bodyPr/>
+          <a:lstStyle/>
+          <a:p>
+            <a:fld id="{9BCA07FD-5BD5-4529-84B0-48DD2C561176}" type="slidenum">
+              <a:rPr lang="de-CH" smtClean="0"/>
+              <a:t>19</a:t>
             </a:fld>
             <a:endParaRPr lang="de-CH"/>
           </a:p>
@@ -14114,84 +14393,7 @@
           <a:bodyPr/>
           <a:lstStyle/>
           <a:p>
-            <a:r>
-              <a:rPr lang="en-US" sz="1200" b="0" i="0" kern="1200" dirty="0">
-                <a:solidFill>
-                  <a:schemeClr val="tx1"/>
-                </a:solidFill>
-                <a:effectLst/>
-                <a:latin typeface="+mn-lt"/>
-                <a:ea typeface="+mn-ea"/>
-                <a:cs typeface="+mn-cs"/>
-              </a:rPr>
-              <a:t>Deal with non-true asynchronous code paths</a:t>
-            </a:r>
-          </a:p>
-          <a:p>
-            <a:r>
-              <a:rPr lang="en-US" sz="1200" b="0" i="0" kern="1200" dirty="0">
-                <a:solidFill>
-                  <a:schemeClr val="tx1"/>
-                </a:solidFill>
-                <a:effectLst/>
-                <a:latin typeface="+mn-lt"/>
-                <a:ea typeface="+mn-ea"/>
-                <a:cs typeface="+mn-cs"/>
-              </a:rPr>
-              <a:t>Avoid unpleasant surprises when combining </a:t>
-            </a:r>
-            <a:r>
-              <a:rPr lang="en-US" sz="1200" b="0" i="0" kern="1200" dirty="0" err="1">
-                <a:solidFill>
-                  <a:schemeClr val="tx1"/>
-                </a:solidFill>
-                <a:effectLst/>
-                <a:latin typeface="+mn-lt"/>
-                <a:ea typeface="+mn-ea"/>
-                <a:cs typeface="+mn-cs"/>
-              </a:rPr>
-              <a:t>Async</a:t>
-            </a:r>
-            <a:r>
-              <a:rPr lang="en-US" sz="1200" b="0" i="0" kern="1200" dirty="0">
-                <a:solidFill>
-                  <a:schemeClr val="tx1"/>
-                </a:solidFill>
-                <a:effectLst/>
-                <a:latin typeface="+mn-lt"/>
-                <a:ea typeface="+mn-ea"/>
-                <a:cs typeface="+mn-cs"/>
-              </a:rPr>
-              <a:t>/Await with the Task Parallel Library</a:t>
-            </a:r>
-          </a:p>
-          <a:p>
-            <a:r>
-              <a:rPr lang="en-US" sz="1200" b="0" i="0" kern="1200" dirty="0">
-                <a:solidFill>
-                  <a:schemeClr val="tx1"/>
-                </a:solidFill>
-                <a:effectLst/>
-                <a:latin typeface="+mn-lt"/>
-                <a:ea typeface="+mn-ea"/>
-                <a:cs typeface="+mn-cs"/>
-              </a:rPr>
-              <a:t>Achieve "graceful" shutdowns by applying cancellation to asynchronous operations</a:t>
-            </a:r>
-          </a:p>
-          <a:p>
-            <a:r>
-              <a:rPr lang="en-US" sz="1200" b="0" i="0" kern="1200" dirty="0">
-                <a:solidFill>
-                  <a:schemeClr val="tx1"/>
-                </a:solidFill>
-                <a:effectLst/>
-                <a:latin typeface="+mn-lt"/>
-                <a:ea typeface="+mn-ea"/>
-                <a:cs typeface="+mn-cs"/>
-              </a:rPr>
-              <a:t>Achieve throttling with your concurrent operations without needless blocking</a:t>
-            </a:r>
+            <a:endParaRPr lang="de-CH" dirty="0"/>
           </a:p>
         </p:txBody>
       </p:sp>
@@ -14221,7 +14423,7 @@
     </p:spTree>
     <p:extLst>
       <p:ext uri="{BB962C8B-B14F-4D97-AF65-F5344CB8AC3E}">
-        <p14:creationId xmlns:p14="http://schemas.microsoft.com/office/powerpoint/2010/main" val="2428960109"/>
+        <p14:creationId xmlns:p14="http://schemas.microsoft.com/office/powerpoint/2010/main" val="1126790182"/>
       </p:ext>
     </p:extLst>
   </p:cSld>
@@ -14275,51 +14477,6 @@
           <a:bodyPr/>
           <a:lstStyle/>
           <a:p>
-            <a:r>
-              <a:rPr lang="en-US" dirty="0"/>
-              <a:t>This webinar is divided</a:t>
-            </a:r>
-            <a:r>
-              <a:rPr lang="en-US" baseline="0" dirty="0"/>
-              <a:t> into three parts</a:t>
-            </a:r>
-          </a:p>
-          <a:p>
-            <a:endParaRPr lang="en-US" baseline="0" dirty="0"/>
-          </a:p>
-          <a:p>
-            <a:r>
-              <a:rPr lang="en-US" baseline="0" dirty="0"/>
-              <a:t>The pump</a:t>
-            </a:r>
-          </a:p>
-          <a:p>
-            <a:r>
-              <a:rPr lang="en-US" baseline="0" dirty="0"/>
-              <a:t>Code and </a:t>
-            </a:r>
-            <a:r>
-              <a:rPr lang="en-US" baseline="0" dirty="0" err="1"/>
-              <a:t>WrapUp</a:t>
-            </a:r>
-            <a:r>
-              <a:rPr lang="en-US" baseline="0" dirty="0"/>
-              <a:t> including Q&amp;A</a:t>
-            </a:r>
-          </a:p>
-          <a:p>
-            <a:endParaRPr lang="en-US" baseline="0" dirty="0"/>
-          </a:p>
-          <a:p>
-            <a:r>
-              <a:rPr lang="en-US" baseline="0" dirty="0"/>
-              <a:t>This webinar will be much more code centric and the complexity level of the practices shown here might be higher than the previous webinar. Don’t worry. At the end of this webinar you’ll get a link to the code samples I’m showing and you’ll be able to walk through the code step-by-step on your own. Of course I’ll be also available to answer your questions even after this webinar series is over. </a:t>
-            </a:r>
-          </a:p>
-          <a:p>
-            <a:endParaRPr lang="en-US" baseline="0" dirty="0"/>
-          </a:p>
-          <a:p>
             <a:endParaRPr lang="de-CH" dirty="0"/>
           </a:p>
         </p:txBody>
@@ -14350,7 +14507,7 @@
     </p:spTree>
     <p:extLst>
       <p:ext uri="{BB962C8B-B14F-4D97-AF65-F5344CB8AC3E}">
-        <p14:creationId xmlns:p14="http://schemas.microsoft.com/office/powerpoint/2010/main" val="2628197143"/>
+        <p14:creationId xmlns:p14="http://schemas.microsoft.com/office/powerpoint/2010/main" val="566918304"/>
       </p:ext>
     </p:extLst>
   </p:cSld>
@@ -14405,16 +14562,83 @@
           <a:lstStyle/>
           <a:p>
             <a:r>
-              <a:rPr lang="en-US" dirty="0"/>
-              <a:t>So let’s talk about the</a:t>
+              <a:rPr lang="en-US" sz="1200" b="0" i="0" kern="1200" dirty="0">
+                <a:solidFill>
+                  <a:schemeClr val="tx1"/>
+                </a:solidFill>
+                <a:effectLst/>
+                <a:latin typeface="+mn-lt"/>
+                <a:ea typeface="+mn-ea"/>
+                <a:cs typeface="+mn-cs"/>
+              </a:rPr>
+              <a:t>Deal with non-true asynchronous code paths</a:t>
+            </a:r>
+          </a:p>
+          <a:p>
+            <a:r>
+              <a:rPr lang="en-US" sz="1200" b="0" i="0" kern="1200" dirty="0">
+                <a:solidFill>
+                  <a:schemeClr val="tx1"/>
+                </a:solidFill>
+                <a:effectLst/>
+                <a:latin typeface="+mn-lt"/>
+                <a:ea typeface="+mn-ea"/>
+                <a:cs typeface="+mn-cs"/>
+              </a:rPr>
+              <a:t>Avoid unpleasant surprises when combining </a:t>
             </a:r>
             <a:r>
-              <a:rPr lang="en-US" baseline="0" dirty="0"/>
-              <a:t> message pump first</a:t>
+              <a:rPr lang="en-US" sz="1200" b="0" i="0" kern="1200" dirty="0" err="1">
+                <a:solidFill>
+                  <a:schemeClr val="tx1"/>
+                </a:solidFill>
+                <a:effectLst/>
+                <a:latin typeface="+mn-lt"/>
+                <a:ea typeface="+mn-ea"/>
+                <a:cs typeface="+mn-cs"/>
+              </a:rPr>
+              <a:t>Async</a:t>
             </a:r>
-          </a:p>
-          <a:p>
-            <a:endParaRPr lang="de-CH" dirty="0"/>
+            <a:r>
+              <a:rPr lang="en-US" sz="1200" b="0" i="0" kern="1200" dirty="0">
+                <a:solidFill>
+                  <a:schemeClr val="tx1"/>
+                </a:solidFill>
+                <a:effectLst/>
+                <a:latin typeface="+mn-lt"/>
+                <a:ea typeface="+mn-ea"/>
+                <a:cs typeface="+mn-cs"/>
+              </a:rPr>
+              <a:t>/Await with the Task Parallel Library</a:t>
+            </a:r>
+          </a:p>
+          <a:p>
+            <a:r>
+              <a:rPr lang="en-US" sz="1200" b="0" i="0" kern="1200" dirty="0">
+                <a:solidFill>
+                  <a:schemeClr val="tx1"/>
+                </a:solidFill>
+                <a:effectLst/>
+                <a:latin typeface="+mn-lt"/>
+                <a:ea typeface="+mn-ea"/>
+                <a:cs typeface="+mn-cs"/>
+              </a:rPr>
+              <a:t>Achieve "graceful" shutdowns by applying cancellation to asynchronous operations</a:t>
+            </a:r>
+          </a:p>
+          <a:p>
+            <a:r>
+              <a:rPr lang="en-US" sz="1200" b="0" i="0" kern="1200" dirty="0">
+                <a:solidFill>
+                  <a:schemeClr val="tx1"/>
+                </a:solidFill>
+                <a:effectLst/>
+                <a:latin typeface="+mn-lt"/>
+                <a:ea typeface="+mn-ea"/>
+                <a:cs typeface="+mn-cs"/>
+              </a:rPr>
+              <a:t>Achieve throttling with your concurrent operations without needless blocking</a:t>
+            </a:r>
           </a:p>
         </p:txBody>
       </p:sp>
@@ -14444,7 +14668,7 @@
     </p:spTree>
     <p:extLst>
       <p:ext uri="{BB962C8B-B14F-4D97-AF65-F5344CB8AC3E}">
-        <p14:creationId xmlns:p14="http://schemas.microsoft.com/office/powerpoint/2010/main" val="3585158485"/>
+        <p14:creationId xmlns:p14="http://schemas.microsoft.com/office/powerpoint/2010/main" val="2428960109"/>
       </p:ext>
     </p:extLst>
   </p:cSld>
@@ -14500,54 +14724,49 @@
           <a:p>
             <a:r>
               <a:rPr lang="en-US" dirty="0"/>
-              <a:t>The message pump is an infrastructure</a:t>
+              <a:t>This webinar is divided</a:t>
             </a:r>
             <a:r>
               <a:rPr lang="en-US" baseline="0" dirty="0"/>
-              <a:t> piece which concurrently consumes messages from a message queue. When there are message in the queue the message is picked up, inspected and based on the information on the message a corresponding piece of code in your system is invoked. A message pump could be consuming messages from queuing technologies like MSMQ, </a:t>
+              <a:t> into three parts</a:t>
+            </a:r>
+          </a:p>
+          <a:p>
+            <a:endParaRPr lang="en-US" baseline="0" dirty="0"/>
+          </a:p>
+          <a:p>
+            <a:r>
+              <a:rPr lang="en-US" baseline="0" dirty="0"/>
+              <a:t>The pump</a:t>
+            </a:r>
+          </a:p>
+          <a:p>
+            <a:r>
+              <a:rPr lang="en-US" baseline="0" dirty="0"/>
+              <a:t>Code and </a:t>
             </a:r>
             <a:r>
               <a:rPr lang="en-US" baseline="0" dirty="0" err="1"/>
-              <a:t>RabbitMQ</a:t>
+              <a:t>WrapUp</a:t>
             </a:r>
             <a:r>
               <a:rPr lang="en-US" baseline="0" dirty="0"/>
-              <a:t>, Azure Service Bus and many more. In </a:t>
+              <a:t> including Q&amp;A</a:t>
             </a:r>
-            <a:r>
-              <a:rPr lang="en-US" baseline="0" dirty="0" err="1"/>
-              <a:t>NServiceBus</a:t>
-            </a:r>
+          </a:p>
+          <a:p>
+            <a:endParaRPr lang="en-US" baseline="0" dirty="0"/>
+          </a:p>
+          <a:p>
             <a:r>
               <a:rPr lang="en-US" baseline="0" dirty="0"/>
-              <a:t> the code which is invoked follows a certain convention like it implements an interface called </a:t>
+              <a:t>This webinar will be much more code centric and the complexity level of the practices shown here might be higher than the previous webinar. Don’t worry. At the end of this webinar you’ll get a link to the code samples I’m showing and you’ll be able to walk through the code step-by-step on your own. Of course I’ll be also available to answer your questions even after this webinar series is over. </a:t>
             </a:r>
-            <a:r>
-              <a:rPr lang="en-US" baseline="0" dirty="0" err="1"/>
-              <a:t>IHandleMessages</a:t>
-            </a:r>
-            <a:r>
-              <a:rPr lang="en-US" baseline="0" dirty="0"/>
-              <a:t>. But since we are looking at a generic message pump we will just assume that the pump will call any arbitrary method.</a:t>
-            </a:r>
           </a:p>
           <a:p>
             <a:endParaRPr lang="en-US" baseline="0" dirty="0"/>
           </a:p>
           <a:p>
-            <a:r>
-              <a:rPr lang="en-US" baseline="0" dirty="0"/>
-              <a:t>Message pumps are not only useful for queuing technologies. They are applicable to much more. For example in an actor based system a pump could be responsible to dispatch calls to existing actor instances. Other examples of message pumps can be found in Windows Forms for example. The UI thread is basically pumping window messages to controls which handle those messages.</a:t>
-            </a:r>
-          </a:p>
-          <a:p>
-            <a:endParaRPr lang="en-US" baseline="0" dirty="0"/>
-          </a:p>
-          <a:p>
-            <a:r>
-              <a:rPr lang="en-US" dirty="0"/>
-              <a:t>It is a pull based model and not a push based model. So in world with reactive queue we would not use a pump</a:t>
-            </a:r>
             <a:endParaRPr lang="de-CH" dirty="0"/>
           </a:p>
         </p:txBody>
@@ -14578,7 +14797,7 @@
     </p:spTree>
     <p:extLst>
       <p:ext uri="{BB962C8B-B14F-4D97-AF65-F5344CB8AC3E}">
-        <p14:creationId xmlns:p14="http://schemas.microsoft.com/office/powerpoint/2010/main" val="1709355455"/>
+        <p14:creationId xmlns:p14="http://schemas.microsoft.com/office/powerpoint/2010/main" val="2628197143"/>
       </p:ext>
     </p:extLst>
   </p:cSld>
@@ -14633,9 +14852,15 @@
           <a:lstStyle/>
           <a:p>
             <a:r>
+              <a:rPr lang="en-US" dirty="0"/>
+              <a:t>So let’s talk about the</a:t>
+            </a:r>
+            <a:r>
               <a:rPr lang="en-US" baseline="0" dirty="0"/>
-              <a:t>Now that we now what a message pump is, we can dive into code and build a simple pump on our own.</a:t>
+              <a:t> message pump first</a:t>
             </a:r>
+          </a:p>
+          <a:p>
             <a:endParaRPr lang="de-CH" dirty="0"/>
           </a:p>
         </p:txBody>
@@ -14666,7 +14891,7 @@
     </p:spTree>
     <p:extLst>
       <p:ext uri="{BB962C8B-B14F-4D97-AF65-F5344CB8AC3E}">
-        <p14:creationId xmlns:p14="http://schemas.microsoft.com/office/powerpoint/2010/main" val="4233096858"/>
+        <p14:creationId xmlns:p14="http://schemas.microsoft.com/office/powerpoint/2010/main" val="3585158485"/>
       </p:ext>
     </p:extLst>
   </p:cSld>
@@ -14720,19 +14945,55 @@
           <a:bodyPr/>
           <a:lstStyle/>
           <a:p>
-            <a:endParaRPr lang="en-US" dirty="0"/>
-          </a:p>
-          <a:p>
-            <a:endParaRPr lang="en-US" dirty="0"/>
-          </a:p>
-          <a:p>
             <a:r>
               <a:rPr lang="en-US" dirty="0"/>
-              <a:t>Let me switch</a:t>
+              <a:t>The message pump is an infrastructure</a:t>
             </a:r>
             <a:r>
               <a:rPr lang="en-US" baseline="0" dirty="0"/>
-              <a:t> over to visual studio.</a:t>
+              <a:t> piece which concurrently consumes messages from a message queue. When there are message in the queue the message is picked up, inspected and based on the information on the message a corresponding piece of code in your system is invoked. A message pump could be consuming messages from queuing technologies like MSMQ, </a:t>
+            </a:r>
+            <a:r>
+              <a:rPr lang="en-US" baseline="0" dirty="0" err="1"/>
+              <a:t>RabbitMQ</a:t>
+            </a:r>
+            <a:r>
+              <a:rPr lang="en-US" baseline="0" dirty="0"/>
+              <a:t>, Azure Service Bus and many more. In </a:t>
+            </a:r>
+            <a:r>
+              <a:rPr lang="en-US" baseline="0" dirty="0" err="1"/>
+              <a:t>NServiceBus</a:t>
+            </a:r>
+            <a:r>
+              <a:rPr lang="en-US" baseline="0" dirty="0"/>
+              <a:t> the code which is invoked follows a certain convention like it implements an interface called </a:t>
+            </a:r>
+            <a:r>
+              <a:rPr lang="en-US" baseline="0" dirty="0" err="1"/>
+              <a:t>IHandleMessages</a:t>
+            </a:r>
+            <a:r>
+              <a:rPr lang="en-US" baseline="0" dirty="0"/>
+              <a:t>. But since we are looking at a generic message pump we will just assume that the pump will call any arbitrary method.</a:t>
+            </a:r>
+          </a:p>
+          <a:p>
+            <a:endParaRPr lang="en-US" baseline="0" dirty="0"/>
+          </a:p>
+          <a:p>
+            <a:r>
+              <a:rPr lang="en-US" baseline="0" dirty="0"/>
+              <a:t>Message pumps are not only useful for queuing technologies. They are applicable to much more. For example in an actor based system a pump could be responsible to dispatch calls to existing actor instances. Other examples of message pumps can be found in Windows Forms for example. The UI thread is basically pumping window messages to controls which handle those messages.</a:t>
+            </a:r>
+          </a:p>
+          <a:p>
+            <a:endParaRPr lang="en-US" baseline="0" dirty="0"/>
+          </a:p>
+          <a:p>
+            <a:r>
+              <a:rPr lang="en-US" dirty="0"/>
+              <a:t>It is a pull based model and not a push based model. So in world with reactive queue we would not use a pump</a:t>
             </a:r>
             <a:endParaRPr lang="de-CH" dirty="0"/>
           </a:p>
@@ -14764,7 +15025,7 @@
     </p:spTree>
     <p:extLst>
       <p:ext uri="{BB962C8B-B14F-4D97-AF65-F5344CB8AC3E}">
-        <p14:creationId xmlns:p14="http://schemas.microsoft.com/office/powerpoint/2010/main" val="3474974861"/>
+        <p14:creationId xmlns:p14="http://schemas.microsoft.com/office/powerpoint/2010/main" val="1709355455"/>
       </p:ext>
     </p:extLst>
   </p:cSld>
@@ -14818,100 +15079,11 @@
           <a:bodyPr/>
           <a:lstStyle/>
           <a:p>
-            <a:pPr marL="0" marR="0" indent="0" algn="l" defTabSz="914400" rtl="0" eaLnBrk="1" fontAlgn="auto" latinLnBrk="0" hangingPunct="1">
-              <a:lnSpc>
-                <a:spcPct val="100000"/>
-              </a:lnSpc>
-              <a:spcBef>
-                <a:spcPts val="0"/>
-              </a:spcBef>
-              <a:spcAft>
-                <a:spcPts val="0"/>
-              </a:spcAft>
-              <a:buClrTx/>
-              <a:buSzTx/>
-              <a:buFontTx/>
-              <a:buNone/>
-              <a:tabLst/>
-              <a:defRPr/>
-            </a:pPr>
-            <a:r>
-              <a:rPr lang="en-US" dirty="0"/>
-              <a:t>We will be using a counting</a:t>
-            </a:r>
             <a:r>
               <a:rPr lang="en-US" baseline="0" dirty="0"/>
-              <a:t> semaphore. I counting semaphore can be compare to a toll booth. Like in the picture on the right side we have eight lanes and toll booths. So the count of the semaphore would be eight. </a:t>
+              <a:t>Now that we now what a message pump is, we can dive into code and build a simple pump on our own.</a:t>
             </a:r>
-            <a:r>
-              <a:rPr lang="en-US" baseline="0" dirty="0" err="1"/>
-              <a:t>Everytime</a:t>
-            </a:r>
-            <a:r>
-              <a:rPr lang="en-US" baseline="0" dirty="0"/>
-              <a:t> a car passes the semaphore the count is decreased. When the counter reaches zero then no cars can pass the toll booths. Cars will eventually queue up behind other cars until free slots become available again.</a:t>
-            </a:r>
-            <a:endParaRPr lang="en-US" dirty="0"/>
-          </a:p>
-          <a:p>
-            <a:pPr marL="0" marR="0" indent="0" algn="l" defTabSz="914400" rtl="0" eaLnBrk="1" fontAlgn="auto" latinLnBrk="0" hangingPunct="1">
-              <a:lnSpc>
-                <a:spcPct val="100000"/>
-              </a:lnSpc>
-              <a:spcBef>
-                <a:spcPts val="0"/>
-              </a:spcBef>
-              <a:spcAft>
-                <a:spcPts val="0"/>
-              </a:spcAft>
-              <a:buClrTx/>
-              <a:buSzTx/>
-              <a:buFontTx/>
-              <a:buNone/>
-              <a:tabLst/>
-              <a:defRPr/>
-            </a:pPr>
-            <a:endParaRPr lang="en-US" dirty="0"/>
-          </a:p>
-          <a:p>
-            <a:pPr marL="0" marR="0" indent="0" algn="l" defTabSz="914400" rtl="0" eaLnBrk="1" fontAlgn="auto" latinLnBrk="0" hangingPunct="1">
-              <a:lnSpc>
-                <a:spcPct val="100000"/>
-              </a:lnSpc>
-              <a:spcBef>
-                <a:spcPts val="0"/>
-              </a:spcBef>
-              <a:spcAft>
-                <a:spcPts val="0"/>
-              </a:spcAft>
-              <a:buClrTx/>
-              <a:buSzTx/>
-              <a:buFontTx/>
-              <a:buNone/>
-              <a:tabLst/>
-              <a:defRPr/>
-            </a:pPr>
-            <a:r>
-              <a:rPr lang="en-US" dirty="0"/>
-              <a:t>Only </a:t>
-            </a:r>
-            <a:r>
-              <a:rPr lang="en-US" dirty="0" err="1"/>
-              <a:t>SemaphoreSlim</a:t>
-            </a:r>
-            <a:r>
-              <a:rPr lang="en-US" baseline="0" dirty="0"/>
-              <a:t> supports </a:t>
-            </a:r>
-            <a:r>
-              <a:rPr lang="en-US" baseline="0" dirty="0" err="1"/>
-              <a:t>async</a:t>
-            </a:r>
-            <a:r>
-              <a:rPr lang="en-US" baseline="0" dirty="0"/>
-              <a:t> Wait calls</a:t>
-            </a:r>
-            <a:endParaRPr lang="en-US" dirty="0"/>
+            <a:endParaRPr lang="de-CH" dirty="0"/>
           </a:p>
         </p:txBody>
       </p:sp>
@@ -14941,7 +15113,7 @@
     </p:spTree>
     <p:extLst>
       <p:ext uri="{BB962C8B-B14F-4D97-AF65-F5344CB8AC3E}">
-        <p14:creationId xmlns:p14="http://schemas.microsoft.com/office/powerpoint/2010/main" val="2572505146"/>
+        <p14:creationId xmlns:p14="http://schemas.microsoft.com/office/powerpoint/2010/main" val="4233096858"/>
       </p:ext>
     </p:extLst>
   </p:cSld>
@@ -18050,6 +18222,364 @@
     </p:spTree>
     <p:extLst>
       <p:ext uri="{BB962C8B-B14F-4D97-AF65-F5344CB8AC3E}">
+        <p14:creationId xmlns:p14="http://schemas.microsoft.com/office/powerpoint/2010/main" val="2998151100"/>
+      </p:ext>
+    </p:extLst>
+  </p:cSld>
+  <p:clrMapOvr>
+    <a:masterClrMapping/>
+  </p:clrMapOvr>
+</p:sld>
+</file>
+
+<file path=ppt/slides/slide11.xml><?xml version="1.0" encoding="utf-8"?>
+<p:sld xmlns:a="http://schemas.openxmlformats.org/drawingml/2006/main" xmlns:r="http://schemas.openxmlformats.org/officeDocument/2006/relationships" xmlns:p="http://schemas.openxmlformats.org/presentationml/2006/main">
+  <p:cSld>
+    <p:spTree>
+      <p:nvGrpSpPr>
+        <p:cNvPr id="1" name=""/>
+        <p:cNvGrpSpPr/>
+        <p:nvPr/>
+      </p:nvGrpSpPr>
+      <p:grpSpPr>
+        <a:xfrm>
+          <a:off x="0" y="0"/>
+          <a:ext cx="0" cy="0"/>
+          <a:chOff x="0" y="0"/>
+          <a:chExt cx="0" cy="0"/>
+        </a:xfrm>
+      </p:grpSpPr>
+      <p:sp>
+        <p:nvSpPr>
+          <p:cNvPr id="5" name="Rectangle 4"/>
+          <p:cNvSpPr/>
+          <p:nvPr/>
+        </p:nvSpPr>
+        <p:spPr>
+          <a:xfrm>
+            <a:off x="1" y="2671414"/>
+            <a:ext cx="4999912" cy="1569660"/>
+          </a:xfrm>
+          <a:prstGeom prst="rect">
+            <a:avLst/>
+          </a:prstGeom>
+        </p:spPr>
+        <p:txBody>
+          <a:bodyPr wrap="square">
+            <a:spAutoFit/>
+          </a:bodyPr>
+          <a:lstStyle/>
+          <a:p>
+            <a:pPr algn="ctr"/>
+            <a:r>
+              <a:rPr lang="en-US" sz="9600" dirty="0">
+                <a:solidFill>
+                  <a:schemeClr val="accent2"/>
+                </a:solidFill>
+                <a:latin typeface="Yanone Kaffeesatz Regular" panose="02000000000000000000" pitchFamily="2" charset="0"/>
+              </a:rPr>
+              <a:t>Semaphore</a:t>
+            </a:r>
+            <a:endParaRPr lang="de-CH" sz="1200" dirty="0"/>
+          </a:p>
+        </p:txBody>
+      </p:sp>
+      <p:grpSp>
+        <p:nvGrpSpPr>
+          <p:cNvPr id="3" name="Group 2"/>
+          <p:cNvGrpSpPr/>
+          <p:nvPr/>
+        </p:nvGrpSpPr>
+        <p:grpSpPr>
+          <a:xfrm>
+            <a:off x="6408615" y="211015"/>
+            <a:ext cx="4697048" cy="6226184"/>
+            <a:chOff x="6408615" y="211015"/>
+            <a:chExt cx="4697048" cy="6226184"/>
+          </a:xfrm>
+          <a:solidFill>
+            <a:schemeClr val="bg1">
+              <a:alpha val="90000"/>
+            </a:schemeClr>
+          </a:solidFill>
+        </p:grpSpPr>
+        <p:sp>
+          <p:nvSpPr>
+            <p:cNvPr id="2" name="Rectangle 1"/>
+            <p:cNvSpPr/>
+            <p:nvPr/>
+          </p:nvSpPr>
+          <p:spPr>
+            <a:xfrm>
+              <a:off x="6408615" y="211015"/>
+              <a:ext cx="4310549" cy="3290277"/>
+            </a:xfrm>
+            <a:prstGeom prst="rect">
+              <a:avLst/>
+            </a:prstGeom>
+            <a:grpFill/>
+            <a:ln>
+              <a:solidFill>
+                <a:schemeClr val="bg1"/>
+              </a:solidFill>
+            </a:ln>
+          </p:spPr>
+          <p:style>
+            <a:lnRef idx="2">
+              <a:schemeClr val="accent1">
+                <a:shade val="50000"/>
+              </a:schemeClr>
+            </a:lnRef>
+            <a:fillRef idx="1">
+              <a:schemeClr val="accent1"/>
+            </a:fillRef>
+            <a:effectRef idx="0">
+              <a:schemeClr val="accent1"/>
+            </a:effectRef>
+            <a:fontRef idx="minor">
+              <a:schemeClr val="lt1"/>
+            </a:fontRef>
+          </p:style>
+          <p:txBody>
+            <a:bodyPr rtlCol="0" anchor="ctr"/>
+            <a:lstStyle/>
+            <a:p>
+              <a:pPr algn="ctr"/>
+              <a:endParaRPr lang="de-CH"/>
+            </a:p>
+          </p:txBody>
+        </p:sp>
+        <p:sp>
+          <p:nvSpPr>
+            <p:cNvPr id="8" name="Rectangle 7"/>
+            <p:cNvSpPr/>
+            <p:nvPr/>
+          </p:nvSpPr>
+          <p:spPr>
+            <a:xfrm>
+              <a:off x="9046309" y="3146922"/>
+              <a:ext cx="2059354" cy="3290277"/>
+            </a:xfrm>
+            <a:prstGeom prst="rect">
+              <a:avLst/>
+            </a:prstGeom>
+            <a:grpFill/>
+            <a:ln>
+              <a:solidFill>
+                <a:schemeClr val="bg1"/>
+              </a:solidFill>
+            </a:ln>
+          </p:spPr>
+          <p:style>
+            <a:lnRef idx="2">
+              <a:schemeClr val="accent1">
+                <a:shade val="50000"/>
+              </a:schemeClr>
+            </a:lnRef>
+            <a:fillRef idx="1">
+              <a:schemeClr val="accent1"/>
+            </a:fillRef>
+            <a:effectRef idx="0">
+              <a:schemeClr val="accent1"/>
+            </a:effectRef>
+            <a:fontRef idx="minor">
+              <a:schemeClr val="lt1"/>
+            </a:fontRef>
+          </p:style>
+          <p:txBody>
+            <a:bodyPr rtlCol="0" anchor="ctr"/>
+            <a:lstStyle/>
+            <a:p>
+              <a:pPr algn="ctr"/>
+              <a:endParaRPr lang="de-CH"/>
+            </a:p>
+          </p:txBody>
+        </p:sp>
+      </p:grpSp>
+      <p:pic>
+        <p:nvPicPr>
+          <p:cNvPr id="9" name="Picture 2"/>
+          <p:cNvPicPr>
+            <a:picLocks noChangeAspect="1" noChangeArrowheads="1"/>
+          </p:cNvPicPr>
+          <p:nvPr/>
+        </p:nvPicPr>
+        <p:blipFill>
+          <a:blip r:embed="rId3" cstate="print">
+            <a:extLst>
+              <a:ext uri="{BEBA8EAE-BF5A-486C-A8C5-ECC9F3942E4B}">
+                <a14:imgProps xmlns:a14="http://schemas.microsoft.com/office/drawing/2010/main">
+                  <a14:imgLayer r:embed="rId4">
+                    <a14:imgEffect>
+                      <a14:colorTemperature colorTemp="5300"/>
+                    </a14:imgEffect>
+                  </a14:imgLayer>
+                </a14:imgProps>
+              </a:ext>
+              <a:ext uri="{28A0092B-C50C-407E-A947-70E740481C1C}">
+                <a14:useLocalDpi xmlns:a14="http://schemas.microsoft.com/office/drawing/2010/main" val="0"/>
+              </a:ext>
+            </a:extLst>
+          </a:blip>
+          <a:stretch>
+            <a:fillRect/>
+          </a:stretch>
+        </p:blipFill>
+        <p:spPr bwMode="auto">
+          <a:xfrm>
+            <a:off x="5895301" y="1688238"/>
+            <a:ext cx="5597263" cy="3536012"/>
+          </a:xfrm>
+          <a:prstGeom prst="rect">
+            <a:avLst/>
+          </a:prstGeom>
+          <a:noFill/>
+          <a:extLst>
+            <a:ext uri="{909E8E84-426E-40DD-AFC4-6F175D3DCCD1}">
+              <a14:hiddenFill xmlns:a14="http://schemas.microsoft.com/office/drawing/2010/main">
+                <a:solidFill>
+                  <a:srgbClr val="FFFFFF"/>
+                </a:solidFill>
+              </a14:hiddenFill>
+            </a:ext>
+          </a:extLst>
+        </p:spPr>
+      </p:pic>
+      <p:sp>
+        <p:nvSpPr>
+          <p:cNvPr id="10" name="Rectangle 9"/>
+          <p:cNvSpPr/>
+          <p:nvPr/>
+        </p:nvSpPr>
+        <p:spPr>
+          <a:xfrm>
+            <a:off x="1" y="4399885"/>
+            <a:ext cx="6494332" cy="1200329"/>
+          </a:xfrm>
+          <a:prstGeom prst="rect">
+            <a:avLst/>
+          </a:prstGeom>
+        </p:spPr>
+        <p:txBody>
+          <a:bodyPr wrap="square">
+            <a:spAutoFit/>
+          </a:bodyPr>
+          <a:lstStyle/>
+          <a:p>
+            <a:pPr algn="ctr"/>
+            <a:r>
+              <a:rPr lang="en-US" sz="7200" dirty="0">
+                <a:solidFill>
+                  <a:schemeClr val="accent3"/>
+                </a:solidFill>
+                <a:latin typeface="Yanone Kaffeesatz Regular" panose="02000000000000000000" pitchFamily="2" charset="0"/>
+              </a:rPr>
+              <a:t>gated</a:t>
+            </a:r>
+          </a:p>
+        </p:txBody>
+      </p:sp>
+    </p:spTree>
+    <p:extLst>
+      <p:ext uri="{BB962C8B-B14F-4D97-AF65-F5344CB8AC3E}">
+        <p14:creationId xmlns:p14="http://schemas.microsoft.com/office/powerpoint/2010/main" val="1079401224"/>
+      </p:ext>
+    </p:extLst>
+  </p:cSld>
+  <p:clrMapOvr>
+    <a:masterClrMapping/>
+  </p:clrMapOvr>
+</p:sld>
+</file>
+
+<file path=ppt/slides/slide12.xml><?xml version="1.0" encoding="utf-8"?>
+<p:sld xmlns:a="http://schemas.openxmlformats.org/drawingml/2006/main" xmlns:r="http://schemas.openxmlformats.org/officeDocument/2006/relationships" xmlns:p="http://schemas.openxmlformats.org/presentationml/2006/main">
+  <p:cSld>
+    <p:spTree>
+      <p:nvGrpSpPr>
+        <p:cNvPr id="1" name=""/>
+        <p:cNvGrpSpPr/>
+        <p:nvPr/>
+      </p:nvGrpSpPr>
+      <p:grpSpPr>
+        <a:xfrm>
+          <a:off x="0" y="0"/>
+          <a:ext cx="0" cy="0"/>
+          <a:chOff x="0" y="0"/>
+          <a:chExt cx="0" cy="0"/>
+        </a:xfrm>
+      </p:grpSpPr>
+      <p:sp>
+        <p:nvSpPr>
+          <p:cNvPr id="2" name="Rectangle 1"/>
+          <p:cNvSpPr/>
+          <p:nvPr/>
+        </p:nvSpPr>
+        <p:spPr>
+          <a:xfrm>
+            <a:off x="3853239" y="1851645"/>
+            <a:ext cx="4485523" cy="3154710"/>
+          </a:xfrm>
+          <a:prstGeom prst="rect">
+            <a:avLst/>
+          </a:prstGeom>
+        </p:spPr>
+        <p:txBody>
+          <a:bodyPr wrap="none">
+            <a:spAutoFit/>
+          </a:bodyPr>
+          <a:lstStyle/>
+          <a:p>
+            <a:r>
+              <a:rPr lang="en-US" sz="19900" dirty="0">
+                <a:solidFill>
+                  <a:schemeClr val="accent2"/>
+                </a:solidFill>
+                <a:latin typeface="Yanone Kaffeesatz Regular" panose="02000000000000000000" pitchFamily="2" charset="0"/>
+              </a:rPr>
+              <a:t>Demo</a:t>
+            </a:r>
+            <a:endParaRPr lang="de-CH" sz="2000" dirty="0"/>
+          </a:p>
+        </p:txBody>
+      </p:sp>
+      <p:sp>
+        <p:nvSpPr>
+          <p:cNvPr id="5" name="Rectangle 4"/>
+          <p:cNvSpPr/>
+          <p:nvPr/>
+        </p:nvSpPr>
+        <p:spPr>
+          <a:xfrm>
+            <a:off x="1838261" y="2875002"/>
+            <a:ext cx="1635384" cy="1107996"/>
+          </a:xfrm>
+          <a:prstGeom prst="rect">
+            <a:avLst/>
+          </a:prstGeom>
+        </p:spPr>
+        <p:txBody>
+          <a:bodyPr wrap="none">
+            <a:spAutoFit/>
+          </a:bodyPr>
+          <a:lstStyle/>
+          <a:p>
+            <a:r>
+              <a:rPr lang="en-US" sz="6600" dirty="0">
+                <a:solidFill>
+                  <a:schemeClr val="accent4"/>
+                </a:solidFill>
+                <a:latin typeface="Yanone Kaffeesatz Regular" panose="02000000000000000000" pitchFamily="2" charset="0"/>
+              </a:rPr>
+              <a:t>await</a:t>
+            </a:r>
+            <a:endParaRPr lang="de-CH" sz="6600" dirty="0"/>
+          </a:p>
+        </p:txBody>
+      </p:sp>
+    </p:spTree>
+    <p:extLst>
+      <p:ext uri="{BB962C8B-B14F-4D97-AF65-F5344CB8AC3E}">
         <p14:creationId xmlns:p14="http://schemas.microsoft.com/office/powerpoint/2010/main" val="2205519770"/>
       </p:ext>
     </p:extLst>
@@ -18060,7 +18590,7 @@
 </p:sld>
 </file>
 
-<file path=ppt/slides/slide11.xml><?xml version="1.0" encoding="utf-8"?>
+<file path=ppt/slides/slide13.xml><?xml version="1.0" encoding="utf-8"?>
 <p:sld xmlns:a="http://schemas.openxmlformats.org/drawingml/2006/main" xmlns:r="http://schemas.openxmlformats.org/officeDocument/2006/relationships" xmlns:p="http://schemas.openxmlformats.org/presentationml/2006/main">
   <p:cSld>
     <p:spTree>
@@ -18112,7 +18642,7 @@
 </p:sld>
 </file>
 
-<file path=ppt/slides/slide12.xml><?xml version="1.0" encoding="utf-8"?>
+<file path=ppt/slides/slide14.xml><?xml version="1.0" encoding="utf-8"?>
 <p:sld xmlns:a="http://schemas.openxmlformats.org/drawingml/2006/main" xmlns:r="http://schemas.openxmlformats.org/officeDocument/2006/relationships" xmlns:p="http://schemas.openxmlformats.org/presentationml/2006/main">
   <p:cSld>
     <p:spTree>
@@ -18381,7 +18911,7 @@
 </p:sld>
 </file>
 
-<file path=ppt/slides/slide13.xml><?xml version="1.0" encoding="utf-8"?>
+<file path=ppt/slides/slide15.xml><?xml version="1.0" encoding="utf-8"?>
 <p:sld xmlns:a="http://schemas.openxmlformats.org/drawingml/2006/main" xmlns:r="http://schemas.openxmlformats.org/officeDocument/2006/relationships" xmlns:p="http://schemas.openxmlformats.org/presentationml/2006/main">
   <p:cSld>
     <p:spTree>
@@ -18627,7 +19157,7 @@
 </p:sld>
 </file>
 
-<file path=ppt/slides/slide14.xml><?xml version="1.0" encoding="utf-8"?>
+<file path=ppt/slides/slide16.xml><?xml version="1.0" encoding="utf-8"?>
 <p:sld xmlns:a="http://schemas.openxmlformats.org/drawingml/2006/main" xmlns:r="http://schemas.openxmlformats.org/officeDocument/2006/relationships" xmlns:p="http://schemas.openxmlformats.org/presentationml/2006/main">
   <p:cSld>
     <p:spTree>
@@ -18770,7 +19300,7 @@
 </p:sld>
 </file>
 
-<file path=ppt/slides/slide15.xml><?xml version="1.0" encoding="utf-8"?>
+<file path=ppt/slides/slide17.xml><?xml version="1.0" encoding="utf-8"?>
 <p:sld xmlns:a="http://schemas.openxmlformats.org/drawingml/2006/main" xmlns:r="http://schemas.openxmlformats.org/officeDocument/2006/relationships" xmlns:p="http://schemas.openxmlformats.org/presentationml/2006/main">
   <p:cSld>
     <p:spTree>
@@ -18899,7 +19429,7 @@
 </p:sld>
 </file>
 
-<file path=ppt/slides/slide16.xml><?xml version="1.0" encoding="utf-8"?>
+<file path=ppt/slides/slide18.xml><?xml version="1.0" encoding="utf-8"?>
 <p:sld xmlns:a="http://schemas.openxmlformats.org/drawingml/2006/main" xmlns:r="http://schemas.openxmlformats.org/officeDocument/2006/relationships" xmlns:p="http://schemas.openxmlformats.org/presentationml/2006/main">
   <p:cSld>
     <p:spTree>
@@ -19027,7 +19557,7 @@
 </p:sld>
 </file>
 
-<file path=ppt/slides/slide17.xml><?xml version="1.0" encoding="utf-8"?>
+<file path=ppt/slides/slide19.xml><?xml version="1.0" encoding="utf-8"?>
 <p:sld xmlns:a="http://schemas.openxmlformats.org/drawingml/2006/main" xmlns:r="http://schemas.openxmlformats.org/officeDocument/2006/relationships" xmlns:p="http://schemas.openxmlformats.org/presentationml/2006/main">
   <p:cSld>
     <p:spTree>
@@ -19353,6 +19883,479 @@
                 </a:solidFill>
                 <a:latin typeface="Yanone Kaffeesatz Regular" panose="02000000000000000000" pitchFamily="2" charset="0"/>
               </a:rPr>
+              <a:t>Recap</a:t>
+            </a:r>
+            <a:endParaRPr lang="de-CH" dirty="0"/>
+          </a:p>
+        </p:txBody>
+      </p:sp>
+      <p:sp>
+        <p:nvSpPr>
+          <p:cNvPr id="6" name="Rectangle 5"/>
+          <p:cNvSpPr/>
+          <p:nvPr/>
+        </p:nvSpPr>
+        <p:spPr>
+          <a:xfrm>
+            <a:off x="6485270" y="1671407"/>
+            <a:ext cx="5706729" cy="3416320"/>
+          </a:xfrm>
+          <a:prstGeom prst="rect">
+            <a:avLst/>
+          </a:prstGeom>
+        </p:spPr>
+        <p:txBody>
+          <a:bodyPr wrap="square">
+            <a:spAutoFit/>
+          </a:bodyPr>
+          <a:lstStyle/>
+          <a:p>
+            <a:r>
+              <a:rPr lang="en-US" sz="3600" dirty="0">
+                <a:solidFill>
+                  <a:schemeClr val="tx2"/>
+                </a:solidFill>
+                <a:latin typeface="Yanone Kaffeesatz Regular" panose="02000000000000000000" pitchFamily="2" charset="0"/>
+              </a:rPr>
+              <a:t>Use </a:t>
+            </a:r>
+            <a:r>
+              <a:rPr lang="en-US" sz="3600" dirty="0" err="1">
+                <a:solidFill>
+                  <a:schemeClr val="accent4"/>
+                </a:solidFill>
+                <a:latin typeface="Yanone Kaffeesatz Regular" panose="02000000000000000000" pitchFamily="2" charset="0"/>
+              </a:rPr>
+              <a:t>Task.Run</a:t>
+            </a:r>
+            <a:r>
+              <a:rPr lang="en-US" sz="3600" dirty="0">
+                <a:solidFill>
+                  <a:schemeClr val="tx2"/>
+                </a:solidFill>
+                <a:latin typeface="Yanone Kaffeesatz Regular" panose="02000000000000000000" pitchFamily="2" charset="0"/>
+              </a:rPr>
+              <a:t>, </a:t>
+            </a:r>
+            <a:r>
+              <a:rPr lang="en-US" sz="3600" dirty="0" err="1">
+                <a:solidFill>
+                  <a:schemeClr val="accent4"/>
+                </a:solidFill>
+                <a:latin typeface="Yanone Kaffeesatz Regular" panose="02000000000000000000" pitchFamily="2" charset="0"/>
+              </a:rPr>
+              <a:t>Factory.StartNew</a:t>
+            </a:r>
+            <a:r>
+              <a:rPr lang="en-US" sz="3600" dirty="0">
+                <a:solidFill>
+                  <a:schemeClr val="tx2"/>
+                </a:solidFill>
+                <a:latin typeface="Yanone Kaffeesatz Regular" panose="02000000000000000000" pitchFamily="2" charset="0"/>
+              </a:rPr>
+              <a:t> for CPU-bound work</a:t>
+            </a:r>
+            <a:br>
+              <a:rPr lang="en-US" sz="3600" dirty="0">
+                <a:solidFill>
+                  <a:schemeClr val="tx2"/>
+                </a:solidFill>
+                <a:latin typeface="Yanone Kaffeesatz Regular" panose="02000000000000000000" pitchFamily="2" charset="0"/>
+              </a:rPr>
+            </a:br>
+            <a:br>
+              <a:rPr lang="en-US" sz="3600" dirty="0">
+                <a:solidFill>
+                  <a:schemeClr val="tx2"/>
+                </a:solidFill>
+                <a:latin typeface="Yanone Kaffeesatz Regular" panose="02000000000000000000" pitchFamily="2" charset="0"/>
+              </a:rPr>
+            </a:br>
+            <a:r>
+              <a:rPr lang="en-US" sz="3600" dirty="0">
+                <a:solidFill>
+                  <a:schemeClr val="tx2"/>
+                </a:solidFill>
+                <a:latin typeface="Yanone Kaffeesatz Regular" panose="02000000000000000000" pitchFamily="2" charset="0"/>
+              </a:rPr>
+              <a:t>Use </a:t>
+            </a:r>
+            <a:r>
+              <a:rPr lang="en-US" sz="3600" dirty="0">
+                <a:solidFill>
+                  <a:schemeClr val="accent4"/>
+                </a:solidFill>
+                <a:latin typeface="Yanone Kaffeesatz Regular" panose="02000000000000000000" pitchFamily="2" charset="0"/>
+              </a:rPr>
+              <a:t>Task</a:t>
+            </a:r>
+            <a:r>
+              <a:rPr lang="en-US" sz="3600" dirty="0">
+                <a:solidFill>
+                  <a:schemeClr val="tx2"/>
+                </a:solidFill>
+                <a:latin typeface="Yanone Kaffeesatz Regular" panose="02000000000000000000" pitchFamily="2" charset="0"/>
+              </a:rPr>
+              <a:t> directly for IO-bound work</a:t>
+            </a:r>
+            <a:br>
+              <a:rPr lang="en-US" sz="3600" dirty="0">
+                <a:solidFill>
+                  <a:schemeClr val="tx2"/>
+                </a:solidFill>
+                <a:latin typeface="Yanone Kaffeesatz Regular" panose="02000000000000000000" pitchFamily="2" charset="0"/>
+              </a:rPr>
+            </a:br>
+            <a:endParaRPr lang="en-US" sz="3600" dirty="0">
+              <a:solidFill>
+                <a:schemeClr val="tx2"/>
+              </a:solidFill>
+              <a:latin typeface="Yanone Kaffeesatz Regular" panose="02000000000000000000" pitchFamily="2" charset="0"/>
+            </a:endParaRPr>
+          </a:p>
+          <a:p>
+            <a:r>
+              <a:rPr lang="en-US" sz="3600" dirty="0">
+                <a:solidFill>
+                  <a:schemeClr val="tx2"/>
+                </a:solidFill>
+                <a:latin typeface="Yanone Kaffeesatz Regular" panose="02000000000000000000" pitchFamily="2" charset="0"/>
+              </a:rPr>
+              <a:t>Use </a:t>
+            </a:r>
+            <a:r>
+              <a:rPr lang="en-US" sz="3600" dirty="0" err="1">
+                <a:solidFill>
+                  <a:schemeClr val="accent4"/>
+                </a:solidFill>
+                <a:latin typeface="Yanone Kaffeesatz Regular" panose="02000000000000000000" pitchFamily="2" charset="0"/>
+              </a:rPr>
+              <a:t>async</a:t>
+            </a:r>
+            <a:r>
+              <a:rPr lang="en-US" sz="3600" dirty="0">
+                <a:solidFill>
+                  <a:schemeClr val="accent4"/>
+                </a:solidFill>
+                <a:latin typeface="Yanone Kaffeesatz Regular" panose="02000000000000000000" pitchFamily="2" charset="0"/>
+              </a:rPr>
+              <a:t> Task</a:t>
+            </a:r>
+            <a:r>
+              <a:rPr lang="en-US" sz="3600" dirty="0">
+                <a:solidFill>
+                  <a:schemeClr val="tx2"/>
+                </a:solidFill>
+                <a:latin typeface="Yanone Kaffeesatz Regular" panose="02000000000000000000" pitchFamily="2" charset="0"/>
+              </a:rPr>
+              <a:t> instead of </a:t>
+            </a:r>
+            <a:r>
+              <a:rPr lang="en-US" sz="3600" dirty="0" err="1">
+                <a:solidFill>
+                  <a:schemeClr val="accent4"/>
+                </a:solidFill>
+                <a:latin typeface="Yanone Kaffeesatz Regular" panose="02000000000000000000" pitchFamily="2" charset="0"/>
+              </a:rPr>
+              <a:t>async</a:t>
+            </a:r>
+            <a:r>
+              <a:rPr lang="en-US" sz="3600" dirty="0">
+                <a:solidFill>
+                  <a:schemeClr val="accent4"/>
+                </a:solidFill>
+                <a:latin typeface="Yanone Kaffeesatz Regular" panose="02000000000000000000" pitchFamily="2" charset="0"/>
+              </a:rPr>
+              <a:t> void</a:t>
+            </a:r>
+          </a:p>
+        </p:txBody>
+      </p:sp>
+      <p:sp>
+        <p:nvSpPr>
+          <p:cNvPr id="7" name="Rectangle 6"/>
+          <p:cNvSpPr/>
+          <p:nvPr/>
+        </p:nvSpPr>
+        <p:spPr>
+          <a:xfrm>
+            <a:off x="1" y="4399885"/>
+            <a:ext cx="6494332" cy="1200329"/>
+          </a:xfrm>
+          <a:prstGeom prst="rect">
+            <a:avLst/>
+          </a:prstGeom>
+        </p:spPr>
+        <p:txBody>
+          <a:bodyPr wrap="square">
+            <a:spAutoFit/>
+          </a:bodyPr>
+          <a:lstStyle/>
+          <a:p>
+            <a:pPr algn="ctr"/>
+            <a:r>
+              <a:rPr lang="en-US" sz="7200" dirty="0">
+                <a:solidFill>
+                  <a:schemeClr val="accent3"/>
+                </a:solidFill>
+                <a:latin typeface="Yanone Kaffeesatz Regular" panose="02000000000000000000" pitchFamily="2" charset="0"/>
+              </a:rPr>
+              <a:t>reminder</a:t>
+            </a:r>
+          </a:p>
+        </p:txBody>
+      </p:sp>
+    </p:spTree>
+    <p:extLst>
+      <p:ext uri="{BB962C8B-B14F-4D97-AF65-F5344CB8AC3E}">
+        <p14:creationId xmlns:p14="http://schemas.microsoft.com/office/powerpoint/2010/main" val="4032672043"/>
+      </p:ext>
+    </p:extLst>
+  </p:cSld>
+  <p:clrMapOvr>
+    <a:masterClrMapping/>
+  </p:clrMapOvr>
+</p:sld>
+</file>
+
+<file path=ppt/slides/slide4.xml><?xml version="1.0" encoding="utf-8"?>
+<p:sld xmlns:a="http://schemas.openxmlformats.org/drawingml/2006/main" xmlns:r="http://schemas.openxmlformats.org/officeDocument/2006/relationships" xmlns:p="http://schemas.openxmlformats.org/presentationml/2006/main">
+  <p:cSld>
+    <p:spTree>
+      <p:nvGrpSpPr>
+        <p:cNvPr id="1" name=""/>
+        <p:cNvGrpSpPr/>
+        <p:nvPr/>
+      </p:nvGrpSpPr>
+      <p:grpSpPr>
+        <a:xfrm>
+          <a:off x="0" y="0"/>
+          <a:ext cx="0" cy="0"/>
+          <a:chOff x="0" y="0"/>
+          <a:chExt cx="0" cy="0"/>
+        </a:xfrm>
+      </p:grpSpPr>
+      <p:sp>
+        <p:nvSpPr>
+          <p:cNvPr id="5" name="Rectangle 4"/>
+          <p:cNvSpPr/>
+          <p:nvPr/>
+        </p:nvSpPr>
+        <p:spPr>
+          <a:xfrm>
+            <a:off x="0" y="1952437"/>
+            <a:ext cx="4999912" cy="2646878"/>
+          </a:xfrm>
+          <a:prstGeom prst="rect">
+            <a:avLst/>
+          </a:prstGeom>
+        </p:spPr>
+        <p:txBody>
+          <a:bodyPr wrap="square">
+            <a:spAutoFit/>
+          </a:bodyPr>
+          <a:lstStyle/>
+          <a:p>
+            <a:pPr algn="ctr"/>
+            <a:r>
+              <a:rPr lang="en-US" sz="16600" dirty="0">
+                <a:solidFill>
+                  <a:schemeClr val="accent2"/>
+                </a:solidFill>
+                <a:latin typeface="Yanone Kaffeesatz Regular" panose="02000000000000000000" pitchFamily="2" charset="0"/>
+              </a:rPr>
+              <a:t>Recap</a:t>
+            </a:r>
+            <a:endParaRPr lang="de-CH" dirty="0"/>
+          </a:p>
+        </p:txBody>
+      </p:sp>
+      <p:sp>
+        <p:nvSpPr>
+          <p:cNvPr id="6" name="Rectangle 5"/>
+          <p:cNvSpPr/>
+          <p:nvPr/>
+        </p:nvSpPr>
+        <p:spPr>
+          <a:xfrm>
+            <a:off x="6485271" y="1997839"/>
+            <a:ext cx="5706729" cy="2862322"/>
+          </a:xfrm>
+          <a:prstGeom prst="rect">
+            <a:avLst/>
+          </a:prstGeom>
+        </p:spPr>
+        <p:txBody>
+          <a:bodyPr wrap="square">
+            <a:spAutoFit/>
+          </a:bodyPr>
+          <a:lstStyle/>
+          <a:p>
+            <a:r>
+              <a:rPr lang="en-US" sz="3600" dirty="0">
+                <a:solidFill>
+                  <a:schemeClr val="tx2"/>
+                </a:solidFill>
+                <a:latin typeface="Yanone Kaffeesatz Regular" panose="02000000000000000000" pitchFamily="2" charset="0"/>
+              </a:rPr>
+              <a:t>Libraries and frameworks should use </a:t>
+            </a:r>
+            <a:r>
+              <a:rPr lang="en-US" sz="3600" dirty="0" err="1">
+                <a:solidFill>
+                  <a:schemeClr val="accent4"/>
+                </a:solidFill>
+                <a:latin typeface="Yanone Kaffeesatz Regular" panose="02000000000000000000" pitchFamily="2" charset="0"/>
+              </a:rPr>
+              <a:t>ConfigureAwait</a:t>
+            </a:r>
+            <a:r>
+              <a:rPr lang="en-US" sz="3600" dirty="0">
+                <a:solidFill>
+                  <a:schemeClr val="accent4"/>
+                </a:solidFill>
+                <a:latin typeface="Yanone Kaffeesatz Regular" panose="02000000000000000000" pitchFamily="2" charset="0"/>
+              </a:rPr>
+              <a:t>(false)</a:t>
+            </a:r>
+          </a:p>
+          <a:p>
+            <a:endParaRPr lang="en-US" sz="3600" dirty="0">
+              <a:solidFill>
+                <a:schemeClr val="accent4"/>
+              </a:solidFill>
+              <a:latin typeface="Yanone Kaffeesatz Regular" panose="02000000000000000000" pitchFamily="2" charset="0"/>
+            </a:endParaRPr>
+          </a:p>
+          <a:p>
+            <a:r>
+              <a:rPr lang="en-US" sz="3600" dirty="0" err="1">
+                <a:solidFill>
+                  <a:schemeClr val="accent4"/>
+                </a:solidFill>
+                <a:latin typeface="Yanone Kaffeesatz Regular" panose="02000000000000000000" pitchFamily="2" charset="0"/>
+              </a:rPr>
+              <a:t>Async</a:t>
+            </a:r>
+            <a:r>
+              <a:rPr lang="en-US" sz="3600" dirty="0">
+                <a:solidFill>
+                  <a:schemeClr val="accent4"/>
+                </a:solidFill>
+                <a:latin typeface="Yanone Kaffeesatz Regular" panose="02000000000000000000" pitchFamily="2" charset="0"/>
+              </a:rPr>
+              <a:t> all the way</a:t>
+            </a:r>
+            <a:r>
+              <a:rPr lang="en-US" sz="3600" dirty="0">
+                <a:solidFill>
+                  <a:schemeClr val="tx2"/>
+                </a:solidFill>
+                <a:latin typeface="Yanone Kaffeesatz Regular" panose="02000000000000000000" pitchFamily="2" charset="0"/>
+              </a:rPr>
+              <a:t>, don’t mix blocking and asynchronous code</a:t>
+            </a:r>
+            <a:endParaRPr lang="de-CH" sz="3600" dirty="0">
+              <a:solidFill>
+                <a:schemeClr val="tx2"/>
+              </a:solidFill>
+            </a:endParaRPr>
+          </a:p>
+        </p:txBody>
+      </p:sp>
+      <p:sp>
+        <p:nvSpPr>
+          <p:cNvPr id="7" name="Rectangle 6"/>
+          <p:cNvSpPr/>
+          <p:nvPr/>
+        </p:nvSpPr>
+        <p:spPr>
+          <a:xfrm>
+            <a:off x="1" y="4399885"/>
+            <a:ext cx="6494332" cy="1200329"/>
+          </a:xfrm>
+          <a:prstGeom prst="rect">
+            <a:avLst/>
+          </a:prstGeom>
+        </p:spPr>
+        <p:txBody>
+          <a:bodyPr wrap="square">
+            <a:spAutoFit/>
+          </a:bodyPr>
+          <a:lstStyle/>
+          <a:p>
+            <a:pPr algn="ctr"/>
+            <a:r>
+              <a:rPr lang="en-US" sz="7200" dirty="0">
+                <a:solidFill>
+                  <a:schemeClr val="accent3"/>
+                </a:solidFill>
+                <a:latin typeface="Yanone Kaffeesatz Regular" panose="02000000000000000000" pitchFamily="2" charset="0"/>
+              </a:rPr>
+              <a:t>reminder</a:t>
+            </a:r>
+          </a:p>
+        </p:txBody>
+      </p:sp>
+    </p:spTree>
+    <p:extLst>
+      <p:ext uri="{BB962C8B-B14F-4D97-AF65-F5344CB8AC3E}">
+        <p14:creationId xmlns:p14="http://schemas.microsoft.com/office/powerpoint/2010/main" val="872873767"/>
+      </p:ext>
+    </p:extLst>
+  </p:cSld>
+  <p:clrMapOvr>
+    <a:masterClrMapping/>
+  </p:clrMapOvr>
+</p:sld>
+</file>
+
+<file path=ppt/slides/slide5.xml><?xml version="1.0" encoding="utf-8"?>
+<p:sld xmlns:a="http://schemas.openxmlformats.org/drawingml/2006/main" xmlns:r="http://schemas.openxmlformats.org/officeDocument/2006/relationships" xmlns:p="http://schemas.openxmlformats.org/presentationml/2006/main">
+  <p:cSld>
+    <p:spTree>
+      <p:nvGrpSpPr>
+        <p:cNvPr id="1" name=""/>
+        <p:cNvGrpSpPr/>
+        <p:nvPr/>
+      </p:nvGrpSpPr>
+      <p:grpSpPr>
+        <a:xfrm>
+          <a:off x="0" y="0"/>
+          <a:ext cx="0" cy="0"/>
+          <a:chOff x="0" y="0"/>
+          <a:chExt cx="0" cy="0"/>
+        </a:xfrm>
+      </p:grpSpPr>
+      <p:sp>
+        <p:nvSpPr>
+          <p:cNvPr id="5" name="Rectangle 4"/>
+          <p:cNvSpPr/>
+          <p:nvPr/>
+        </p:nvSpPr>
+        <p:spPr>
+          <a:xfrm>
+            <a:off x="0" y="1952437"/>
+            <a:ext cx="4999912" cy="2646878"/>
+          </a:xfrm>
+          <a:prstGeom prst="rect">
+            <a:avLst/>
+          </a:prstGeom>
+        </p:spPr>
+        <p:txBody>
+          <a:bodyPr wrap="square">
+            <a:spAutoFit/>
+          </a:bodyPr>
+          <a:lstStyle/>
+          <a:p>
+            <a:pPr algn="ctr"/>
+            <a:r>
+              <a:rPr lang="en-US" sz="16600" dirty="0">
+                <a:solidFill>
+                  <a:schemeClr val="accent2"/>
+                </a:solidFill>
+                <a:latin typeface="Yanone Kaffeesatz Regular" panose="02000000000000000000" pitchFamily="2" charset="0"/>
+              </a:rPr>
               <a:t>Goals</a:t>
             </a:r>
             <a:endParaRPr lang="de-CH" dirty="0"/>
@@ -19552,7 +20555,7 @@
 </p:sld>
 </file>
 
-<file path=ppt/slides/slide4.xml><?xml version="1.0" encoding="utf-8"?>
+<file path=ppt/slides/slide6.xml><?xml version="1.0" encoding="utf-8"?>
 <p:sld xmlns:a="http://schemas.openxmlformats.org/drawingml/2006/main" xmlns:r="http://schemas.openxmlformats.org/officeDocument/2006/relationships" xmlns:p="http://schemas.openxmlformats.org/presentationml/2006/main">
   <p:cSld>
     <p:spTree>
@@ -19604,7 +20607,7 @@
 </p:sld>
 </file>
 
-<file path=ppt/slides/slide5.xml><?xml version="1.0" encoding="utf-8"?>
+<file path=ppt/slides/slide7.xml><?xml version="1.0" encoding="utf-8"?>
 <p:sld xmlns:a="http://schemas.openxmlformats.org/drawingml/2006/main" xmlns:r="http://schemas.openxmlformats.org/officeDocument/2006/relationships" xmlns:p="http://schemas.openxmlformats.org/presentationml/2006/main">
   <p:cSld>
     <p:spTree>
@@ -19656,7 +20659,7 @@
 </p:sld>
 </file>
 
-<file path=ppt/slides/slide6.xml><?xml version="1.0" encoding="utf-8"?>
+<file path=ppt/slides/slide8.xml><?xml version="1.0" encoding="utf-8"?>
 <p:sld xmlns:a="http://schemas.openxmlformats.org/drawingml/2006/main" xmlns:r="http://schemas.openxmlformats.org/officeDocument/2006/relationships" xmlns:p="http://schemas.openxmlformats.org/presentationml/2006/main">
   <p:cSld>
     <p:spTree>
@@ -20362,7 +21365,7 @@
 </p:sld>
 </file>
 
-<file path=ppt/slides/slide7.xml><?xml version="1.0" encoding="utf-8"?>
+<file path=ppt/slides/slide9.xml><?xml version="1.0" encoding="utf-8"?>
 <p:sld xmlns:a="http://schemas.openxmlformats.org/drawingml/2006/main" xmlns:r="http://schemas.openxmlformats.org/officeDocument/2006/relationships" xmlns:p="http://schemas.openxmlformats.org/presentationml/2006/main">
   <p:cSld>
     <p:spTree>
@@ -20405,364 +21408,6 @@
     <p:extLst>
       <p:ext uri="{BB962C8B-B14F-4D97-AF65-F5344CB8AC3E}">
         <p14:creationId xmlns:p14="http://schemas.microsoft.com/office/powerpoint/2010/main" val="4038501767"/>
-      </p:ext>
-    </p:extLst>
-  </p:cSld>
-  <p:clrMapOvr>
-    <a:masterClrMapping/>
-  </p:clrMapOvr>
-</p:sld>
-</file>
-
-<file path=ppt/slides/slide8.xml><?xml version="1.0" encoding="utf-8"?>
-<p:sld xmlns:a="http://schemas.openxmlformats.org/drawingml/2006/main" xmlns:r="http://schemas.openxmlformats.org/officeDocument/2006/relationships" xmlns:p="http://schemas.openxmlformats.org/presentationml/2006/main">
-  <p:cSld>
-    <p:spTree>
-      <p:nvGrpSpPr>
-        <p:cNvPr id="1" name=""/>
-        <p:cNvGrpSpPr/>
-        <p:nvPr/>
-      </p:nvGrpSpPr>
-      <p:grpSpPr>
-        <a:xfrm>
-          <a:off x="0" y="0"/>
-          <a:ext cx="0" cy="0"/>
-          <a:chOff x="0" y="0"/>
-          <a:chExt cx="0" cy="0"/>
-        </a:xfrm>
-      </p:grpSpPr>
-      <p:sp>
-        <p:nvSpPr>
-          <p:cNvPr id="2" name="Rectangle 1"/>
-          <p:cNvSpPr/>
-          <p:nvPr/>
-        </p:nvSpPr>
-        <p:spPr>
-          <a:xfrm>
-            <a:off x="3853239" y="1851645"/>
-            <a:ext cx="4485523" cy="3154710"/>
-          </a:xfrm>
-          <a:prstGeom prst="rect">
-            <a:avLst/>
-          </a:prstGeom>
-        </p:spPr>
-        <p:txBody>
-          <a:bodyPr wrap="none">
-            <a:spAutoFit/>
-          </a:bodyPr>
-          <a:lstStyle/>
-          <a:p>
-            <a:r>
-              <a:rPr lang="en-US" sz="19900" dirty="0">
-                <a:solidFill>
-                  <a:schemeClr val="accent2"/>
-                </a:solidFill>
-                <a:latin typeface="Yanone Kaffeesatz Regular" panose="02000000000000000000" pitchFamily="2" charset="0"/>
-              </a:rPr>
-              <a:t>Demo</a:t>
-            </a:r>
-            <a:endParaRPr lang="de-CH" sz="2000" dirty="0"/>
-          </a:p>
-        </p:txBody>
-      </p:sp>
-      <p:sp>
-        <p:nvSpPr>
-          <p:cNvPr id="5" name="Rectangle 4"/>
-          <p:cNvSpPr/>
-          <p:nvPr/>
-        </p:nvSpPr>
-        <p:spPr>
-          <a:xfrm>
-            <a:off x="1838261" y="2875002"/>
-            <a:ext cx="1635384" cy="1107996"/>
-          </a:xfrm>
-          <a:prstGeom prst="rect">
-            <a:avLst/>
-          </a:prstGeom>
-        </p:spPr>
-        <p:txBody>
-          <a:bodyPr wrap="none">
-            <a:spAutoFit/>
-          </a:bodyPr>
-          <a:lstStyle/>
-          <a:p>
-            <a:r>
-              <a:rPr lang="en-US" sz="6600" dirty="0">
-                <a:solidFill>
-                  <a:schemeClr val="accent4"/>
-                </a:solidFill>
-                <a:latin typeface="Yanone Kaffeesatz Regular" panose="02000000000000000000" pitchFamily="2" charset="0"/>
-              </a:rPr>
-              <a:t>await</a:t>
-            </a:r>
-            <a:endParaRPr lang="de-CH" sz="6600" dirty="0"/>
-          </a:p>
-        </p:txBody>
-      </p:sp>
-    </p:spTree>
-    <p:extLst>
-      <p:ext uri="{BB962C8B-B14F-4D97-AF65-F5344CB8AC3E}">
-        <p14:creationId xmlns:p14="http://schemas.microsoft.com/office/powerpoint/2010/main" val="2998151100"/>
-      </p:ext>
-    </p:extLst>
-  </p:cSld>
-  <p:clrMapOvr>
-    <a:masterClrMapping/>
-  </p:clrMapOvr>
-</p:sld>
-</file>
-
-<file path=ppt/slides/slide9.xml><?xml version="1.0" encoding="utf-8"?>
-<p:sld xmlns:a="http://schemas.openxmlformats.org/drawingml/2006/main" xmlns:r="http://schemas.openxmlformats.org/officeDocument/2006/relationships" xmlns:p="http://schemas.openxmlformats.org/presentationml/2006/main">
-  <p:cSld>
-    <p:spTree>
-      <p:nvGrpSpPr>
-        <p:cNvPr id="1" name=""/>
-        <p:cNvGrpSpPr/>
-        <p:nvPr/>
-      </p:nvGrpSpPr>
-      <p:grpSpPr>
-        <a:xfrm>
-          <a:off x="0" y="0"/>
-          <a:ext cx="0" cy="0"/>
-          <a:chOff x="0" y="0"/>
-          <a:chExt cx="0" cy="0"/>
-        </a:xfrm>
-      </p:grpSpPr>
-      <p:sp>
-        <p:nvSpPr>
-          <p:cNvPr id="5" name="Rectangle 4"/>
-          <p:cNvSpPr/>
-          <p:nvPr/>
-        </p:nvSpPr>
-        <p:spPr>
-          <a:xfrm>
-            <a:off x="1" y="2671414"/>
-            <a:ext cx="4999912" cy="1569660"/>
-          </a:xfrm>
-          <a:prstGeom prst="rect">
-            <a:avLst/>
-          </a:prstGeom>
-        </p:spPr>
-        <p:txBody>
-          <a:bodyPr wrap="square">
-            <a:spAutoFit/>
-          </a:bodyPr>
-          <a:lstStyle/>
-          <a:p>
-            <a:pPr algn="ctr"/>
-            <a:r>
-              <a:rPr lang="en-US" sz="9600" dirty="0">
-                <a:solidFill>
-                  <a:schemeClr val="accent2"/>
-                </a:solidFill>
-                <a:latin typeface="Yanone Kaffeesatz Regular" panose="02000000000000000000" pitchFamily="2" charset="0"/>
-              </a:rPr>
-              <a:t>Semaphore</a:t>
-            </a:r>
-            <a:endParaRPr lang="de-CH" sz="1200" dirty="0"/>
-          </a:p>
-        </p:txBody>
-      </p:sp>
-      <p:grpSp>
-        <p:nvGrpSpPr>
-          <p:cNvPr id="3" name="Group 2"/>
-          <p:cNvGrpSpPr/>
-          <p:nvPr/>
-        </p:nvGrpSpPr>
-        <p:grpSpPr>
-          <a:xfrm>
-            <a:off x="6408615" y="211015"/>
-            <a:ext cx="4697048" cy="6226184"/>
-            <a:chOff x="6408615" y="211015"/>
-            <a:chExt cx="4697048" cy="6226184"/>
-          </a:xfrm>
-          <a:solidFill>
-            <a:schemeClr val="bg1">
-              <a:alpha val="90000"/>
-            </a:schemeClr>
-          </a:solidFill>
-        </p:grpSpPr>
-        <p:sp>
-          <p:nvSpPr>
-            <p:cNvPr id="2" name="Rectangle 1"/>
-            <p:cNvSpPr/>
-            <p:nvPr/>
-          </p:nvSpPr>
-          <p:spPr>
-            <a:xfrm>
-              <a:off x="6408615" y="211015"/>
-              <a:ext cx="4310549" cy="3290277"/>
-            </a:xfrm>
-            <a:prstGeom prst="rect">
-              <a:avLst/>
-            </a:prstGeom>
-            <a:grpFill/>
-            <a:ln>
-              <a:solidFill>
-                <a:schemeClr val="bg1"/>
-              </a:solidFill>
-            </a:ln>
-          </p:spPr>
-          <p:style>
-            <a:lnRef idx="2">
-              <a:schemeClr val="accent1">
-                <a:shade val="50000"/>
-              </a:schemeClr>
-            </a:lnRef>
-            <a:fillRef idx="1">
-              <a:schemeClr val="accent1"/>
-            </a:fillRef>
-            <a:effectRef idx="0">
-              <a:schemeClr val="accent1"/>
-            </a:effectRef>
-            <a:fontRef idx="minor">
-              <a:schemeClr val="lt1"/>
-            </a:fontRef>
-          </p:style>
-          <p:txBody>
-            <a:bodyPr rtlCol="0" anchor="ctr"/>
-            <a:lstStyle/>
-            <a:p>
-              <a:pPr algn="ctr"/>
-              <a:endParaRPr lang="de-CH"/>
-            </a:p>
-          </p:txBody>
-        </p:sp>
-        <p:sp>
-          <p:nvSpPr>
-            <p:cNvPr id="8" name="Rectangle 7"/>
-            <p:cNvSpPr/>
-            <p:nvPr/>
-          </p:nvSpPr>
-          <p:spPr>
-            <a:xfrm>
-              <a:off x="9046309" y="3146922"/>
-              <a:ext cx="2059354" cy="3290277"/>
-            </a:xfrm>
-            <a:prstGeom prst="rect">
-              <a:avLst/>
-            </a:prstGeom>
-            <a:grpFill/>
-            <a:ln>
-              <a:solidFill>
-                <a:schemeClr val="bg1"/>
-              </a:solidFill>
-            </a:ln>
-          </p:spPr>
-          <p:style>
-            <a:lnRef idx="2">
-              <a:schemeClr val="accent1">
-                <a:shade val="50000"/>
-              </a:schemeClr>
-            </a:lnRef>
-            <a:fillRef idx="1">
-              <a:schemeClr val="accent1"/>
-            </a:fillRef>
-            <a:effectRef idx="0">
-              <a:schemeClr val="accent1"/>
-            </a:effectRef>
-            <a:fontRef idx="minor">
-              <a:schemeClr val="lt1"/>
-            </a:fontRef>
-          </p:style>
-          <p:txBody>
-            <a:bodyPr rtlCol="0" anchor="ctr"/>
-            <a:lstStyle/>
-            <a:p>
-              <a:pPr algn="ctr"/>
-              <a:endParaRPr lang="de-CH"/>
-            </a:p>
-          </p:txBody>
-        </p:sp>
-      </p:grpSp>
-      <p:pic>
-        <p:nvPicPr>
-          <p:cNvPr id="9" name="Picture 2"/>
-          <p:cNvPicPr>
-            <a:picLocks noChangeAspect="1" noChangeArrowheads="1"/>
-          </p:cNvPicPr>
-          <p:nvPr/>
-        </p:nvPicPr>
-        <p:blipFill>
-          <a:blip r:embed="rId3" cstate="print">
-            <a:extLst>
-              <a:ext uri="{BEBA8EAE-BF5A-486C-A8C5-ECC9F3942E4B}">
-                <a14:imgProps xmlns:a14="http://schemas.microsoft.com/office/drawing/2010/main">
-                  <a14:imgLayer r:embed="rId4">
-                    <a14:imgEffect>
-                      <a14:colorTemperature colorTemp="5300"/>
-                    </a14:imgEffect>
-                  </a14:imgLayer>
-                </a14:imgProps>
-              </a:ext>
-              <a:ext uri="{28A0092B-C50C-407E-A947-70E740481C1C}">
-                <a14:useLocalDpi xmlns:a14="http://schemas.microsoft.com/office/drawing/2010/main" val="0"/>
-              </a:ext>
-            </a:extLst>
-          </a:blip>
-          <a:stretch>
-            <a:fillRect/>
-          </a:stretch>
-        </p:blipFill>
-        <p:spPr bwMode="auto">
-          <a:xfrm>
-            <a:off x="5895301" y="1688238"/>
-            <a:ext cx="5597263" cy="3536012"/>
-          </a:xfrm>
-          <a:prstGeom prst="rect">
-            <a:avLst/>
-          </a:prstGeom>
-          <a:noFill/>
-          <a:extLst>
-            <a:ext uri="{909E8E84-426E-40DD-AFC4-6F175D3DCCD1}">
-              <a14:hiddenFill xmlns:a14="http://schemas.microsoft.com/office/drawing/2010/main">
-                <a:solidFill>
-                  <a:srgbClr val="FFFFFF"/>
-                </a:solidFill>
-              </a14:hiddenFill>
-            </a:ext>
-          </a:extLst>
-        </p:spPr>
-      </p:pic>
-      <p:sp>
-        <p:nvSpPr>
-          <p:cNvPr id="10" name="Rectangle 9"/>
-          <p:cNvSpPr/>
-          <p:nvPr/>
-        </p:nvSpPr>
-        <p:spPr>
-          <a:xfrm>
-            <a:off x="1" y="4399885"/>
-            <a:ext cx="6494332" cy="1200329"/>
-          </a:xfrm>
-          <a:prstGeom prst="rect">
-            <a:avLst/>
-          </a:prstGeom>
-        </p:spPr>
-        <p:txBody>
-          <a:bodyPr wrap="square">
-            <a:spAutoFit/>
-          </a:bodyPr>
-          <a:lstStyle/>
-          <a:p>
-            <a:pPr algn="ctr"/>
-            <a:r>
-              <a:rPr lang="en-US" sz="7200" dirty="0">
-                <a:solidFill>
-                  <a:schemeClr val="accent3"/>
-                </a:solidFill>
-                <a:latin typeface="Yanone Kaffeesatz Regular" panose="02000000000000000000" pitchFamily="2" charset="0"/>
-              </a:rPr>
-              <a:t>gated</a:t>
-            </a:r>
-          </a:p>
-        </p:txBody>
-      </p:sp>
-    </p:spTree>
-    <p:extLst>
-      <p:ext uri="{BB962C8B-B14F-4D97-AF65-F5344CB8AC3E}">
-        <p14:creationId xmlns:p14="http://schemas.microsoft.com/office/powerpoint/2010/main" val="1079401224"/>
       </p:ext>
     </p:extLst>
   </p:cSld>
